--- a/documentacion/Architecture-Technical-Proposal-Presentation.pptx
+++ b/documentacion/Architecture-Technical-Proposal-Presentation.pptx
@@ -7,11 +7,17 @@
   <p:sldIdLst>
     <p:sldId id="256" r:id="rId2"/>
     <p:sldId id="257" r:id="rId3"/>
-    <p:sldId id="258" r:id="rId4"/>
-    <p:sldId id="259" r:id="rId5"/>
-    <p:sldId id="260" r:id="rId6"/>
-    <p:sldId id="261" r:id="rId7"/>
-    <p:sldId id="262" r:id="rId8"/>
+    <p:sldId id="268" r:id="rId4"/>
+    <p:sldId id="258" r:id="rId5"/>
+    <p:sldId id="263" r:id="rId6"/>
+    <p:sldId id="264" r:id="rId7"/>
+    <p:sldId id="265" r:id="rId8"/>
+    <p:sldId id="259" r:id="rId9"/>
+    <p:sldId id="266" r:id="rId10"/>
+    <p:sldId id="267" r:id="rId11"/>
+    <p:sldId id="260" r:id="rId12"/>
+    <p:sldId id="261" r:id="rId13"/>
+    <p:sldId id="262" r:id="rId14"/>
   </p:sldIdLst>
   <p:sldSz cx="12192000" cy="6858000"/>
   <p:notesSz cx="6858000" cy="9144000"/>
@@ -110,6 +116,11 @@
       </a:defRPr>
     </a:lvl9pPr>
   </p:defaultTextStyle>
+  <p:extLst>
+    <p:ext uri="{EFAFB233-063F-42B5-8137-9DF3F51BA10A}">
+      <p15:sldGuideLst xmlns:p15="http://schemas.microsoft.com/office/powerpoint/2012/main"/>
+    </p:ext>
+  </p:extLst>
 </p:presentation>
 </file>
 
@@ -5897,7 +5908,7 @@
 </p:sld>
 </file>
 
-<file path=ppt/slides/slide2.xml><?xml version="1.0" encoding="utf-8"?>
+<file path=ppt/slides/slide10.xml><?xml version="1.0" encoding="utf-8"?>
 <p:sld xmlns:a="http://schemas.openxmlformats.org/drawingml/2006/main" xmlns:r="http://schemas.openxmlformats.org/officeDocument/2006/relationships" xmlns:p="http://schemas.openxmlformats.org/presentationml/2006/main">
   <p:cSld>
     <p:spTree>
@@ -5919,7 +5930,7 @@
           <p:cNvPr id="2" name="Título 1">
             <a:extLst>
               <a:ext uri="{FF2B5EF4-FFF2-40B4-BE49-F238E27FC236}">
-                <a16:creationId xmlns:a16="http://schemas.microsoft.com/office/drawing/2014/main" id="{BBDFE214-BE30-9102-6B63-288F21420D73}"/>
+                <a16:creationId xmlns:a16="http://schemas.microsoft.com/office/drawing/2014/main" id="{9E32F659-B156-20E5-8770-3DFA1E4FE2D7}"/>
               </a:ext>
             </a:extLst>
           </p:cNvPr>
@@ -5930,60 +5941,219 @@
             <p:ph type="title"/>
           </p:nvPr>
         </p:nvSpPr>
-        <p:spPr/>
-        <p:txBody>
-          <a:bodyPr/>
+        <p:spPr>
+          <a:xfrm>
+            <a:off x="677690" y="79248"/>
+            <a:ext cx="8596668" cy="624840"/>
+          </a:xfrm>
+        </p:spPr>
+        <p:txBody>
+          <a:bodyPr>
+            <a:normAutofit fontScale="90000"/>
+          </a:bodyPr>
           <a:lstStyle/>
           <a:p>
             <a:r>
               <a:rPr lang="es-ES" dirty="0"/>
-              <a:t>Visión de Arquitectura</a:t>
+              <a:t>Patrones </a:t>
             </a:r>
             <a:endParaRPr lang="es-BO" dirty="0"/>
           </a:p>
         </p:txBody>
       </p:sp>
-      <p:sp>
-        <p:nvSpPr>
-          <p:cNvPr id="3" name="Marcador de contenido 2">
+      <p:graphicFrame>
+        <p:nvGraphicFramePr>
+          <p:cNvPr id="4" name="Marcador de contenido 3">
             <a:extLst>
               <a:ext uri="{FF2B5EF4-FFF2-40B4-BE49-F238E27FC236}">
-                <a16:creationId xmlns:a16="http://schemas.microsoft.com/office/drawing/2014/main" id="{EC914167-F7F7-B694-FC57-5A05FE09D9E8}"/>
+                <a16:creationId xmlns:a16="http://schemas.microsoft.com/office/drawing/2014/main" id="{4CA628CA-E52B-A9B2-8E2E-59BC677A9A6B}"/>
               </a:ext>
             </a:extLst>
           </p:cNvPr>
-          <p:cNvSpPr>
-            <a:spLocks noGrp="1"/>
-          </p:cNvSpPr>
+          <p:cNvGraphicFramePr>
+            <a:graphicFrameLocks noGrp="1"/>
+          </p:cNvGraphicFramePr>
           <p:nvPr>
             <p:ph idx="1"/>
-          </p:nvPr>
-        </p:nvSpPr>
-        <p:spPr/>
-        <p:txBody>
-          <a:bodyPr/>
-          <a:lstStyle/>
-          <a:p>
-            <a:r>
-              <a:rPr lang="es-ES" dirty="0"/>
-              <a:t>Brindar a LT-BANKING una solución tecnológica orientada a la seguridad y a la mejora continua de sus proceso, la estabilidad y  </a:t>
-            </a:r>
-            <a:r>
-              <a:rPr lang="es-ES" dirty="0" err="1"/>
-              <a:t>ais</a:t>
-            </a:r>
-            <a:r>
-              <a:rPr lang="es-ES" dirty="0"/>
-              <a:t> brindar a sus clientes una solución tecnológica que sea confiable</a:t>
-            </a:r>
-            <a:endParaRPr lang="es-BO" dirty="0"/>
-          </a:p>
-        </p:txBody>
-      </p:sp>
+            <p:extLst>
+              <p:ext uri="{D42A27DB-BD31-4B8C-83A1-F6EECF244321}">
+                <p14:modId xmlns:p14="http://schemas.microsoft.com/office/powerpoint/2010/main" val="433762350"/>
+              </p:ext>
+            </p:extLst>
+          </p:nvPr>
+        </p:nvGraphicFramePr>
+        <p:xfrm>
+          <a:off x="484632" y="603504"/>
+          <a:ext cx="9738360" cy="1736264"/>
+        </p:xfrm>
+        <a:graphic>
+          <a:graphicData uri="http://schemas.openxmlformats.org/drawingml/2006/table">
+            <a:tbl>
+              <a:tblPr firstRow="1" bandRow="1">
+                <a:tableStyleId>{5C22544A-7EE6-4342-B048-85BDC9FD1C3A}</a:tableStyleId>
+              </a:tblPr>
+              <a:tblGrid>
+                <a:gridCol w="3328190">
+                  <a:extLst>
+                    <a:ext uri="{9D8B030D-6E8A-4147-A177-3AD203B41FA5}">
+                      <a16:colId xmlns:a16="http://schemas.microsoft.com/office/drawing/2014/main" val="2375645145"/>
+                    </a:ext>
+                  </a:extLst>
+                </a:gridCol>
+                <a:gridCol w="6410170">
+                  <a:extLst>
+                    <a:ext uri="{9D8B030D-6E8A-4147-A177-3AD203B41FA5}">
+                      <a16:colId xmlns:a16="http://schemas.microsoft.com/office/drawing/2014/main" val="1118495026"/>
+                    </a:ext>
+                  </a:extLst>
+                </a:gridCol>
+              </a:tblGrid>
+              <a:tr h="662332">
+                <a:tc>
+                  <a:txBody>
+                    <a:bodyPr/>
+                    <a:lstStyle/>
+                    <a:p>
+                      <a:r>
+                        <a:rPr lang="es-ES" dirty="0"/>
+                        <a:t>Patrón</a:t>
+                      </a:r>
+                      <a:endParaRPr lang="es-BO" dirty="0"/>
+                    </a:p>
+                  </a:txBody>
+                  <a:tcPr/>
+                </a:tc>
+                <a:tc>
+                  <a:txBody>
+                    <a:bodyPr/>
+                    <a:lstStyle/>
+                    <a:p>
+                      <a:r>
+                        <a:rPr lang="es-ES" dirty="0"/>
+                        <a:t>Funcionalidad</a:t>
+                      </a:r>
+                      <a:endParaRPr lang="es-BO" dirty="0"/>
+                    </a:p>
+                  </a:txBody>
+                  <a:tcPr/>
+                </a:tc>
+                <a:extLst>
+                  <a:ext uri="{0D108BD9-81ED-4DB2-BD59-A6C34878D82A}">
+                    <a16:rowId xmlns:a16="http://schemas.microsoft.com/office/drawing/2014/main" val="924715585"/>
+                  </a:ext>
+                </a:extLst>
+              </a:tr>
+              <a:tr h="1073932">
+                <a:tc>
+                  <a:txBody>
+                    <a:bodyPr/>
+                    <a:lstStyle/>
+                    <a:p>
+                      <a:r>
+                        <a:rPr lang="es-BO" sz="1800" b="1" i="0" kern="1200" dirty="0">
+                          <a:solidFill>
+                            <a:schemeClr val="dk1"/>
+                          </a:solidFill>
+                          <a:effectLst/>
+                          <a:latin typeface="+mn-lt"/>
+                          <a:ea typeface="+mn-ea"/>
+                          <a:cs typeface="+mn-cs"/>
+                        </a:rPr>
+                        <a:t>Server-</a:t>
+                      </a:r>
+                      <a:r>
+                        <a:rPr lang="es-BO" sz="1800" b="1" i="0" kern="1200" dirty="0" err="1">
+                          <a:solidFill>
+                            <a:schemeClr val="dk1"/>
+                          </a:solidFill>
+                          <a:effectLst/>
+                          <a:latin typeface="+mn-lt"/>
+                          <a:ea typeface="+mn-ea"/>
+                          <a:cs typeface="+mn-cs"/>
+                        </a:rPr>
+                        <a:t>side</a:t>
+                      </a:r>
+                      <a:r>
+                        <a:rPr lang="es-BO" sz="1800" b="1" i="0" kern="1200" dirty="0">
+                          <a:solidFill>
+                            <a:schemeClr val="dk1"/>
+                          </a:solidFill>
+                          <a:effectLst/>
+                          <a:latin typeface="+mn-lt"/>
+                          <a:ea typeface="+mn-ea"/>
+                          <a:cs typeface="+mn-cs"/>
+                        </a:rPr>
+                        <a:t> </a:t>
+                      </a:r>
+                      <a:r>
+                        <a:rPr lang="es-BO" sz="1800" b="1" i="0" kern="1200" dirty="0" err="1">
+                          <a:solidFill>
+                            <a:schemeClr val="dk1"/>
+                          </a:solidFill>
+                          <a:effectLst/>
+                          <a:latin typeface="+mn-lt"/>
+                          <a:ea typeface="+mn-ea"/>
+                          <a:cs typeface="+mn-cs"/>
+                        </a:rPr>
+                        <a:t>service</a:t>
+                      </a:r>
+                      <a:r>
+                        <a:rPr lang="es-BO" sz="1800" b="1" i="0" kern="1200" dirty="0">
+                          <a:solidFill>
+                            <a:schemeClr val="dk1"/>
+                          </a:solidFill>
+                          <a:effectLst/>
+                          <a:latin typeface="+mn-lt"/>
+                          <a:ea typeface="+mn-ea"/>
+                          <a:cs typeface="+mn-cs"/>
+                        </a:rPr>
+                        <a:t> </a:t>
+                      </a:r>
+                      <a:r>
+                        <a:rPr lang="es-BO" sz="1800" b="1" i="0" kern="1200" dirty="0" err="1">
+                          <a:solidFill>
+                            <a:schemeClr val="dk1"/>
+                          </a:solidFill>
+                          <a:effectLst/>
+                          <a:latin typeface="+mn-lt"/>
+                          <a:ea typeface="+mn-ea"/>
+                          <a:cs typeface="+mn-cs"/>
+                        </a:rPr>
+                        <a:t>discovery</a:t>
+                      </a:r>
+                      <a:endParaRPr lang="es-BO" b="1" dirty="0"/>
+                    </a:p>
+                  </a:txBody>
+                  <a:tcPr/>
+                </a:tc>
+                <a:tc>
+                  <a:txBody>
+                    <a:bodyPr/>
+                    <a:lstStyle/>
+                    <a:p>
+                      <a:r>
+                        <a:rPr lang="es-ES" dirty="0"/>
+                        <a:t>Se implementa un servicio de Discovery para que con el Gateway se pueda implementar el balanceo de carga</a:t>
+                      </a:r>
+                      <a:endParaRPr lang="es-BO" dirty="0"/>
+                    </a:p>
+                  </a:txBody>
+                  <a:tcPr/>
+                </a:tc>
+                <a:extLst>
+                  <a:ext uri="{0D108BD9-81ED-4DB2-BD59-A6C34878D82A}">
+                    <a16:rowId xmlns:a16="http://schemas.microsoft.com/office/drawing/2014/main" val="2429855617"/>
+                  </a:ext>
+                </a:extLst>
+              </a:tr>
+            </a:tbl>
+          </a:graphicData>
+        </a:graphic>
+      </p:graphicFrame>
     </p:spTree>
     <p:extLst>
       <p:ext uri="{BB962C8B-B14F-4D97-AF65-F5344CB8AC3E}">
-        <p14:creationId xmlns:p14="http://schemas.microsoft.com/office/powerpoint/2010/main" val="899199939"/>
+        <p14:creationId xmlns:p14="http://schemas.microsoft.com/office/powerpoint/2010/main" val="2557728821"/>
       </p:ext>
     </p:extLst>
   </p:cSld>
@@ -5993,175 +6163,7 @@
 </p:sld>
 </file>
 
-<file path=ppt/slides/slide3.xml><?xml version="1.0" encoding="utf-8"?>
-<p:sld xmlns:a="http://schemas.openxmlformats.org/drawingml/2006/main" xmlns:r="http://schemas.openxmlformats.org/officeDocument/2006/relationships" xmlns:p="http://schemas.openxmlformats.org/presentationml/2006/main">
-  <p:cSld>
-    <p:spTree>
-      <p:nvGrpSpPr>
-        <p:cNvPr id="1" name=""/>
-        <p:cNvGrpSpPr/>
-        <p:nvPr/>
-      </p:nvGrpSpPr>
-      <p:grpSpPr>
-        <a:xfrm>
-          <a:off x="0" y="0"/>
-          <a:ext cx="0" cy="0"/>
-          <a:chOff x="0" y="0"/>
-          <a:chExt cx="0" cy="0"/>
-        </a:xfrm>
-      </p:grpSpPr>
-      <p:sp>
-        <p:nvSpPr>
-          <p:cNvPr id="2" name="Título 1">
-            <a:extLst>
-              <a:ext uri="{FF2B5EF4-FFF2-40B4-BE49-F238E27FC236}">
-                <a16:creationId xmlns:a16="http://schemas.microsoft.com/office/drawing/2014/main" id="{F0FBD1B3-C4CE-F99E-CC85-5B4FF566CCB5}"/>
-              </a:ext>
-            </a:extLst>
-          </p:cNvPr>
-          <p:cNvSpPr>
-            <a:spLocks noGrp="1"/>
-          </p:cNvSpPr>
-          <p:nvPr>
-            <p:ph type="title"/>
-          </p:nvPr>
-        </p:nvSpPr>
-        <p:spPr/>
-        <p:txBody>
-          <a:bodyPr/>
-          <a:lstStyle/>
-          <a:p>
-            <a:r>
-              <a:rPr lang="es-ES" dirty="0"/>
-              <a:t>Atributos de Calidad</a:t>
-            </a:r>
-            <a:endParaRPr lang="es-BO" dirty="0"/>
-          </a:p>
-        </p:txBody>
-      </p:sp>
-      <p:sp>
-        <p:nvSpPr>
-          <p:cNvPr id="3" name="Marcador de contenido 2">
-            <a:extLst>
-              <a:ext uri="{FF2B5EF4-FFF2-40B4-BE49-F238E27FC236}">
-                <a16:creationId xmlns:a16="http://schemas.microsoft.com/office/drawing/2014/main" id="{D3F8F958-9221-8A84-3D92-BAE543BAE05B}"/>
-              </a:ext>
-            </a:extLst>
-          </p:cNvPr>
-          <p:cNvSpPr>
-            <a:spLocks noGrp="1"/>
-          </p:cNvSpPr>
-          <p:nvPr>
-            <p:ph idx="1"/>
-          </p:nvPr>
-        </p:nvSpPr>
-        <p:spPr/>
-        <p:txBody>
-          <a:bodyPr/>
-          <a:lstStyle/>
-          <a:p>
-            <a:endParaRPr lang="es-BO"/>
-          </a:p>
-        </p:txBody>
-      </p:sp>
-    </p:spTree>
-    <p:extLst>
-      <p:ext uri="{BB962C8B-B14F-4D97-AF65-F5344CB8AC3E}">
-        <p14:creationId xmlns:p14="http://schemas.microsoft.com/office/powerpoint/2010/main" val="2574559549"/>
-      </p:ext>
-    </p:extLst>
-  </p:cSld>
-  <p:clrMapOvr>
-    <a:masterClrMapping/>
-  </p:clrMapOvr>
-</p:sld>
-</file>
-
-<file path=ppt/slides/slide4.xml><?xml version="1.0" encoding="utf-8"?>
-<p:sld xmlns:a="http://schemas.openxmlformats.org/drawingml/2006/main" xmlns:r="http://schemas.openxmlformats.org/officeDocument/2006/relationships" xmlns:p="http://schemas.openxmlformats.org/presentationml/2006/main">
-  <p:cSld>
-    <p:spTree>
-      <p:nvGrpSpPr>
-        <p:cNvPr id="1" name=""/>
-        <p:cNvGrpSpPr/>
-        <p:nvPr/>
-      </p:nvGrpSpPr>
-      <p:grpSpPr>
-        <a:xfrm>
-          <a:off x="0" y="0"/>
-          <a:ext cx="0" cy="0"/>
-          <a:chOff x="0" y="0"/>
-          <a:chExt cx="0" cy="0"/>
-        </a:xfrm>
-      </p:grpSpPr>
-      <p:sp>
-        <p:nvSpPr>
-          <p:cNvPr id="2" name="Título 1">
-            <a:extLst>
-              <a:ext uri="{FF2B5EF4-FFF2-40B4-BE49-F238E27FC236}">
-                <a16:creationId xmlns:a16="http://schemas.microsoft.com/office/drawing/2014/main" id="{9E32F659-B156-20E5-8770-3DFA1E4FE2D7}"/>
-              </a:ext>
-            </a:extLst>
-          </p:cNvPr>
-          <p:cNvSpPr>
-            <a:spLocks noGrp="1"/>
-          </p:cNvSpPr>
-          <p:nvPr>
-            <p:ph type="title"/>
-          </p:nvPr>
-        </p:nvSpPr>
-        <p:spPr/>
-        <p:txBody>
-          <a:bodyPr/>
-          <a:lstStyle/>
-          <a:p>
-            <a:r>
-              <a:rPr lang="es-ES" dirty="0"/>
-              <a:t>Escenarios</a:t>
-            </a:r>
-            <a:endParaRPr lang="es-BO" dirty="0"/>
-          </a:p>
-        </p:txBody>
-      </p:sp>
-      <p:sp>
-        <p:nvSpPr>
-          <p:cNvPr id="3" name="Marcador de contenido 2">
-            <a:extLst>
-              <a:ext uri="{FF2B5EF4-FFF2-40B4-BE49-F238E27FC236}">
-                <a16:creationId xmlns:a16="http://schemas.microsoft.com/office/drawing/2014/main" id="{1A10FD32-3B91-BFF8-0DF2-3D309B390F5E}"/>
-              </a:ext>
-            </a:extLst>
-          </p:cNvPr>
-          <p:cNvSpPr>
-            <a:spLocks noGrp="1"/>
-          </p:cNvSpPr>
-          <p:nvPr>
-            <p:ph idx="1"/>
-          </p:nvPr>
-        </p:nvSpPr>
-        <p:spPr/>
-        <p:txBody>
-          <a:bodyPr/>
-          <a:lstStyle/>
-          <a:p>
-            <a:endParaRPr lang="es-BO"/>
-          </a:p>
-        </p:txBody>
-      </p:sp>
-    </p:spTree>
-    <p:extLst>
-      <p:ext uri="{BB962C8B-B14F-4D97-AF65-F5344CB8AC3E}">
-        <p14:creationId xmlns:p14="http://schemas.microsoft.com/office/powerpoint/2010/main" val="1879595918"/>
-      </p:ext>
-    </p:extLst>
-  </p:cSld>
-  <p:clrMapOvr>
-    <a:masterClrMapping/>
-  </p:clrMapOvr>
-</p:sld>
-</file>
-
-<file path=ppt/slides/slide5.xml><?xml version="1.0" encoding="utf-8"?>
+<file path=ppt/slides/slide11.xml><?xml version="1.0" encoding="utf-8"?>
 <p:sld xmlns:a="http://schemas.openxmlformats.org/drawingml/2006/main" xmlns:r="http://schemas.openxmlformats.org/officeDocument/2006/relationships" xmlns:p="http://schemas.openxmlformats.org/presentationml/2006/main">
   <p:cSld>
     <p:spTree>
@@ -6256,6 +6258,853 @@
 </p:sld>
 </file>
 
+<file path=ppt/slides/slide12.xml><?xml version="1.0" encoding="utf-8"?>
+<p:sld xmlns:a="http://schemas.openxmlformats.org/drawingml/2006/main" xmlns:r="http://schemas.openxmlformats.org/officeDocument/2006/relationships" xmlns:p="http://schemas.openxmlformats.org/presentationml/2006/main">
+  <p:cSld>
+    <p:spTree>
+      <p:nvGrpSpPr>
+        <p:cNvPr id="1" name=""/>
+        <p:cNvGrpSpPr/>
+        <p:nvPr/>
+      </p:nvGrpSpPr>
+      <p:grpSpPr>
+        <a:xfrm>
+          <a:off x="0" y="0"/>
+          <a:ext cx="0" cy="0"/>
+          <a:chOff x="0" y="0"/>
+          <a:chExt cx="0" cy="0"/>
+        </a:xfrm>
+      </p:grpSpPr>
+      <p:sp>
+        <p:nvSpPr>
+          <p:cNvPr id="2" name="Título 1">
+            <a:extLst>
+              <a:ext uri="{FF2B5EF4-FFF2-40B4-BE49-F238E27FC236}">
+                <a16:creationId xmlns:a16="http://schemas.microsoft.com/office/drawing/2014/main" id="{9E32F659-B156-20E5-8770-3DFA1E4FE2D7}"/>
+              </a:ext>
+            </a:extLst>
+          </p:cNvPr>
+          <p:cNvSpPr>
+            <a:spLocks noGrp="1"/>
+          </p:cNvSpPr>
+          <p:nvPr>
+            <p:ph type="title"/>
+          </p:nvPr>
+        </p:nvSpPr>
+        <p:spPr/>
+        <p:txBody>
+          <a:bodyPr/>
+          <a:lstStyle/>
+          <a:p>
+            <a:r>
+              <a:rPr lang="es-ES" dirty="0"/>
+              <a:t>Vistas de Desarrollo</a:t>
+            </a:r>
+            <a:endParaRPr lang="es-BO" dirty="0"/>
+          </a:p>
+        </p:txBody>
+      </p:sp>
+      <p:pic>
+        <p:nvPicPr>
+          <p:cNvPr id="5" name="Marcador de contenido 4" descr="Diagrama&#10;&#10;Descripción generada automáticamente">
+            <a:extLst>
+              <a:ext uri="{FF2B5EF4-FFF2-40B4-BE49-F238E27FC236}">
+                <a16:creationId xmlns:a16="http://schemas.microsoft.com/office/drawing/2014/main" id="{3355469E-7C57-B720-359B-2068031DBCB3}"/>
+              </a:ext>
+            </a:extLst>
+          </p:cNvPr>
+          <p:cNvPicPr>
+            <a:picLocks noGrp="1" noChangeAspect="1"/>
+          </p:cNvPicPr>
+          <p:nvPr>
+            <p:ph idx="1"/>
+          </p:nvPr>
+        </p:nvPicPr>
+        <p:blipFill>
+          <a:blip r:embed="rId2">
+            <a:extLst>
+              <a:ext uri="{28A0092B-C50C-407E-A947-70E740481C1C}">
+                <a14:useLocalDpi xmlns:a14="http://schemas.microsoft.com/office/drawing/2010/main" val="0"/>
+              </a:ext>
+            </a:extLst>
+          </a:blip>
+          <a:stretch>
+            <a:fillRect/>
+          </a:stretch>
+        </p:blipFill>
+        <p:spPr>
+          <a:xfrm>
+            <a:off x="1795768" y="1442561"/>
+            <a:ext cx="7732280" cy="5006447"/>
+          </a:xfrm>
+        </p:spPr>
+      </p:pic>
+    </p:spTree>
+    <p:extLst>
+      <p:ext uri="{BB962C8B-B14F-4D97-AF65-F5344CB8AC3E}">
+        <p14:creationId xmlns:p14="http://schemas.microsoft.com/office/powerpoint/2010/main" val="3827597486"/>
+      </p:ext>
+    </p:extLst>
+  </p:cSld>
+  <p:clrMapOvr>
+    <a:masterClrMapping/>
+  </p:clrMapOvr>
+</p:sld>
+</file>
+
+<file path=ppt/slides/slide13.xml><?xml version="1.0" encoding="utf-8"?>
+<p:sld xmlns:a="http://schemas.openxmlformats.org/drawingml/2006/main" xmlns:r="http://schemas.openxmlformats.org/officeDocument/2006/relationships" xmlns:p="http://schemas.openxmlformats.org/presentationml/2006/main">
+  <p:cSld>
+    <p:spTree>
+      <p:nvGrpSpPr>
+        <p:cNvPr id="1" name=""/>
+        <p:cNvGrpSpPr/>
+        <p:nvPr/>
+      </p:nvGrpSpPr>
+      <p:grpSpPr>
+        <a:xfrm>
+          <a:off x="0" y="0"/>
+          <a:ext cx="0" cy="0"/>
+          <a:chOff x="0" y="0"/>
+          <a:chExt cx="0" cy="0"/>
+        </a:xfrm>
+      </p:grpSpPr>
+      <p:sp>
+        <p:nvSpPr>
+          <p:cNvPr id="2" name="Título 1">
+            <a:extLst>
+              <a:ext uri="{FF2B5EF4-FFF2-40B4-BE49-F238E27FC236}">
+                <a16:creationId xmlns:a16="http://schemas.microsoft.com/office/drawing/2014/main" id="{662FF066-70B8-5DAC-CF45-ED17C76F0C81}"/>
+              </a:ext>
+            </a:extLst>
+          </p:cNvPr>
+          <p:cNvSpPr>
+            <a:spLocks noGrp="1"/>
+          </p:cNvSpPr>
+          <p:nvPr>
+            <p:ph type="title"/>
+          </p:nvPr>
+        </p:nvSpPr>
+        <p:spPr/>
+        <p:txBody>
+          <a:bodyPr/>
+          <a:lstStyle/>
+          <a:p>
+            <a:r>
+              <a:rPr lang="es-ES" dirty="0"/>
+              <a:t>Vista de Despliegue</a:t>
+            </a:r>
+            <a:endParaRPr lang="es-BO" dirty="0"/>
+          </a:p>
+        </p:txBody>
+      </p:sp>
+      <p:pic>
+        <p:nvPicPr>
+          <p:cNvPr id="4" name="Marcador de contenido 3" descr="Diagrama">
+            <a:extLst>
+              <a:ext uri="{FF2B5EF4-FFF2-40B4-BE49-F238E27FC236}">
+                <a16:creationId xmlns:a16="http://schemas.microsoft.com/office/drawing/2014/main" id="{7F88BC5D-67A5-9D24-B96E-BC9A5190EB34}"/>
+              </a:ext>
+            </a:extLst>
+          </p:cNvPr>
+          <p:cNvPicPr>
+            <a:picLocks noGrp="1" noChangeAspect="1"/>
+          </p:cNvPicPr>
+          <p:nvPr>
+            <p:ph idx="1"/>
+          </p:nvPr>
+        </p:nvPicPr>
+        <p:blipFill>
+          <a:blip r:embed="rId2">
+            <a:extLst>
+              <a:ext uri="{28A0092B-C50C-407E-A947-70E740481C1C}">
+                <a14:useLocalDpi xmlns:a14="http://schemas.microsoft.com/office/drawing/2010/main" val="0"/>
+              </a:ext>
+            </a:extLst>
+          </a:blip>
+          <a:stretch>
+            <a:fillRect/>
+          </a:stretch>
+        </p:blipFill>
+        <p:spPr>
+          <a:xfrm>
+            <a:off x="609742" y="1488281"/>
+            <a:ext cx="8913803" cy="4619911"/>
+          </a:xfrm>
+        </p:spPr>
+      </p:pic>
+    </p:spTree>
+    <p:extLst>
+      <p:ext uri="{BB962C8B-B14F-4D97-AF65-F5344CB8AC3E}">
+        <p14:creationId xmlns:p14="http://schemas.microsoft.com/office/powerpoint/2010/main" val="2669304748"/>
+      </p:ext>
+    </p:extLst>
+  </p:cSld>
+  <p:clrMapOvr>
+    <a:masterClrMapping/>
+  </p:clrMapOvr>
+</p:sld>
+</file>
+
+<file path=ppt/slides/slide2.xml><?xml version="1.0" encoding="utf-8"?>
+<p:sld xmlns:a="http://schemas.openxmlformats.org/drawingml/2006/main" xmlns:r="http://schemas.openxmlformats.org/officeDocument/2006/relationships" xmlns:p="http://schemas.openxmlformats.org/presentationml/2006/main">
+  <p:cSld>
+    <p:spTree>
+      <p:nvGrpSpPr>
+        <p:cNvPr id="1" name=""/>
+        <p:cNvGrpSpPr/>
+        <p:nvPr/>
+      </p:nvGrpSpPr>
+      <p:grpSpPr>
+        <a:xfrm>
+          <a:off x="0" y="0"/>
+          <a:ext cx="0" cy="0"/>
+          <a:chOff x="0" y="0"/>
+          <a:chExt cx="0" cy="0"/>
+        </a:xfrm>
+      </p:grpSpPr>
+      <p:sp>
+        <p:nvSpPr>
+          <p:cNvPr id="2" name="Título 1">
+            <a:extLst>
+              <a:ext uri="{FF2B5EF4-FFF2-40B4-BE49-F238E27FC236}">
+                <a16:creationId xmlns:a16="http://schemas.microsoft.com/office/drawing/2014/main" id="{BBDFE214-BE30-9102-6B63-288F21420D73}"/>
+              </a:ext>
+            </a:extLst>
+          </p:cNvPr>
+          <p:cNvSpPr>
+            <a:spLocks noGrp="1"/>
+          </p:cNvSpPr>
+          <p:nvPr>
+            <p:ph type="title"/>
+          </p:nvPr>
+        </p:nvSpPr>
+        <p:spPr/>
+        <p:txBody>
+          <a:bodyPr/>
+          <a:lstStyle/>
+          <a:p>
+            <a:r>
+              <a:rPr lang="es-ES" dirty="0"/>
+              <a:t>Visión de Arquitectura</a:t>
+            </a:r>
+            <a:endParaRPr lang="es-BO" dirty="0"/>
+          </a:p>
+        </p:txBody>
+      </p:sp>
+      <p:sp>
+        <p:nvSpPr>
+          <p:cNvPr id="3" name="Marcador de contenido 2">
+            <a:extLst>
+              <a:ext uri="{FF2B5EF4-FFF2-40B4-BE49-F238E27FC236}">
+                <a16:creationId xmlns:a16="http://schemas.microsoft.com/office/drawing/2014/main" id="{EC914167-F7F7-B694-FC57-5A05FE09D9E8}"/>
+              </a:ext>
+            </a:extLst>
+          </p:cNvPr>
+          <p:cNvSpPr>
+            <a:spLocks noGrp="1"/>
+          </p:cNvSpPr>
+          <p:nvPr>
+            <p:ph idx="1"/>
+          </p:nvPr>
+        </p:nvSpPr>
+        <p:spPr/>
+        <p:txBody>
+          <a:bodyPr/>
+          <a:lstStyle/>
+          <a:p>
+            <a:r>
+              <a:rPr lang="es-ES" dirty="0"/>
+              <a:t>Brindar a LT-BANKING una solución tecnológica orientada a la seguridad y a la mejora continua de sus proceso, la estabilidad y  asi brindar a sus clientes una solución tecnológica que sea confiable</a:t>
+            </a:r>
+            <a:endParaRPr lang="es-BO" dirty="0"/>
+          </a:p>
+        </p:txBody>
+      </p:sp>
+    </p:spTree>
+    <p:extLst>
+      <p:ext uri="{BB962C8B-B14F-4D97-AF65-F5344CB8AC3E}">
+        <p14:creationId xmlns:p14="http://schemas.microsoft.com/office/powerpoint/2010/main" val="899199939"/>
+      </p:ext>
+    </p:extLst>
+  </p:cSld>
+  <p:clrMapOvr>
+    <a:masterClrMapping/>
+  </p:clrMapOvr>
+</p:sld>
+</file>
+
+<file path=ppt/slides/slide3.xml><?xml version="1.0" encoding="utf-8"?>
+<p:sld xmlns:a="http://schemas.openxmlformats.org/drawingml/2006/main" xmlns:r="http://schemas.openxmlformats.org/officeDocument/2006/relationships" xmlns:p="http://schemas.openxmlformats.org/presentationml/2006/main">
+  <p:cSld>
+    <p:spTree>
+      <p:nvGrpSpPr>
+        <p:cNvPr id="1" name=""/>
+        <p:cNvGrpSpPr/>
+        <p:nvPr/>
+      </p:nvGrpSpPr>
+      <p:grpSpPr>
+        <a:xfrm>
+          <a:off x="0" y="0"/>
+          <a:ext cx="0" cy="0"/>
+          <a:chOff x="0" y="0"/>
+          <a:chExt cx="0" cy="0"/>
+        </a:xfrm>
+      </p:grpSpPr>
+      <p:sp>
+        <p:nvSpPr>
+          <p:cNvPr id="2" name="Título 1">
+            <a:extLst>
+              <a:ext uri="{FF2B5EF4-FFF2-40B4-BE49-F238E27FC236}">
+                <a16:creationId xmlns:a16="http://schemas.microsoft.com/office/drawing/2014/main" id="{BBDFE214-BE30-9102-6B63-288F21420D73}"/>
+              </a:ext>
+            </a:extLst>
+          </p:cNvPr>
+          <p:cNvSpPr>
+            <a:spLocks noGrp="1"/>
+          </p:cNvSpPr>
+          <p:nvPr>
+            <p:ph type="title"/>
+          </p:nvPr>
+        </p:nvSpPr>
+        <p:spPr/>
+        <p:txBody>
+          <a:bodyPr/>
+          <a:lstStyle/>
+          <a:p>
+            <a:r>
+              <a:rPr lang="es-ES" dirty="0"/>
+              <a:t>Visión de Arquitectura</a:t>
+            </a:r>
+            <a:endParaRPr lang="es-BO" dirty="0"/>
+          </a:p>
+        </p:txBody>
+      </p:sp>
+      <p:sp>
+        <p:nvSpPr>
+          <p:cNvPr id="3" name="Marcador de contenido 2">
+            <a:extLst>
+              <a:ext uri="{FF2B5EF4-FFF2-40B4-BE49-F238E27FC236}">
+                <a16:creationId xmlns:a16="http://schemas.microsoft.com/office/drawing/2014/main" id="{EC914167-F7F7-B694-FC57-5A05FE09D9E8}"/>
+              </a:ext>
+            </a:extLst>
+          </p:cNvPr>
+          <p:cNvSpPr>
+            <a:spLocks noGrp="1"/>
+          </p:cNvSpPr>
+          <p:nvPr>
+            <p:ph idx="1"/>
+          </p:nvPr>
+        </p:nvSpPr>
+        <p:spPr/>
+        <p:txBody>
+          <a:bodyPr/>
+          <a:lstStyle/>
+          <a:p>
+            <a:r>
+              <a:rPr lang="es-ES" dirty="0"/>
+              <a:t>Se implementarán contenedores  con 3 microservicios para la gestión de usuarios y cuentas</a:t>
+            </a:r>
+          </a:p>
+          <a:p>
+            <a:pPr lvl="1"/>
+            <a:r>
+              <a:rPr lang="es-ES" dirty="0"/>
+              <a:t>Microservicio de Usuarios</a:t>
+            </a:r>
+          </a:p>
+          <a:p>
+            <a:pPr lvl="1"/>
+            <a:r>
+              <a:rPr lang="es-ES" dirty="0"/>
+              <a:t>Microservicios de Cuentas</a:t>
+            </a:r>
+          </a:p>
+          <a:p>
+            <a:pPr lvl="1"/>
+            <a:r>
+              <a:rPr lang="es-ES" dirty="0"/>
+              <a:t>Microservicios de Tarjetas</a:t>
+            </a:r>
+            <a:endParaRPr lang="es-BO" dirty="0"/>
+          </a:p>
+          <a:p>
+            <a:pPr lvl="1"/>
+            <a:endParaRPr lang="es-BO" dirty="0"/>
+          </a:p>
+          <a:p>
+            <a:r>
+              <a:rPr lang="es-ES" dirty="0"/>
+              <a:t>Se tiene un servicio que permitirá la gestión de las configuraciones centralizadas</a:t>
+            </a:r>
+          </a:p>
+          <a:p>
+            <a:r>
+              <a:rPr lang="es-ES" dirty="0"/>
+              <a:t>Se tiene un Api Gateway como único punto de entrada para el consumo de los servicios</a:t>
+            </a:r>
+          </a:p>
+        </p:txBody>
+      </p:sp>
+    </p:spTree>
+    <p:extLst>
+      <p:ext uri="{BB962C8B-B14F-4D97-AF65-F5344CB8AC3E}">
+        <p14:creationId xmlns:p14="http://schemas.microsoft.com/office/powerpoint/2010/main" val="3058732132"/>
+      </p:ext>
+    </p:extLst>
+  </p:cSld>
+  <p:clrMapOvr>
+    <a:masterClrMapping/>
+  </p:clrMapOvr>
+</p:sld>
+</file>
+
+<file path=ppt/slides/slide4.xml><?xml version="1.0" encoding="utf-8"?>
+<p:sld xmlns:a="http://schemas.openxmlformats.org/drawingml/2006/main" xmlns:r="http://schemas.openxmlformats.org/officeDocument/2006/relationships" xmlns:p="http://schemas.openxmlformats.org/presentationml/2006/main">
+  <p:cSld>
+    <p:spTree>
+      <p:nvGrpSpPr>
+        <p:cNvPr id="1" name=""/>
+        <p:cNvGrpSpPr/>
+        <p:nvPr/>
+      </p:nvGrpSpPr>
+      <p:grpSpPr>
+        <a:xfrm>
+          <a:off x="0" y="0"/>
+          <a:ext cx="0" cy="0"/>
+          <a:chOff x="0" y="0"/>
+          <a:chExt cx="0" cy="0"/>
+        </a:xfrm>
+      </p:grpSpPr>
+      <p:sp>
+        <p:nvSpPr>
+          <p:cNvPr id="2" name="Título 1">
+            <a:extLst>
+              <a:ext uri="{FF2B5EF4-FFF2-40B4-BE49-F238E27FC236}">
+                <a16:creationId xmlns:a16="http://schemas.microsoft.com/office/drawing/2014/main" id="{F0FBD1B3-C4CE-F99E-CC85-5B4FF566CCB5}"/>
+              </a:ext>
+            </a:extLst>
+          </p:cNvPr>
+          <p:cNvSpPr>
+            <a:spLocks noGrp="1"/>
+          </p:cNvSpPr>
+          <p:nvPr>
+            <p:ph type="title"/>
+          </p:nvPr>
+        </p:nvSpPr>
+        <p:spPr/>
+        <p:txBody>
+          <a:bodyPr/>
+          <a:lstStyle/>
+          <a:p>
+            <a:r>
+              <a:rPr lang="es-ES" dirty="0"/>
+              <a:t>Atributos de Calidad</a:t>
+            </a:r>
+            <a:endParaRPr lang="es-BO" dirty="0"/>
+          </a:p>
+        </p:txBody>
+      </p:sp>
+      <p:graphicFrame>
+        <p:nvGraphicFramePr>
+          <p:cNvPr id="5" name="Marcador de contenido 4">
+            <a:extLst>
+              <a:ext uri="{FF2B5EF4-FFF2-40B4-BE49-F238E27FC236}">
+                <a16:creationId xmlns:a16="http://schemas.microsoft.com/office/drawing/2014/main" id="{42850775-9223-9E8C-1E0B-BBC6184B4776}"/>
+              </a:ext>
+            </a:extLst>
+          </p:cNvPr>
+          <p:cNvGraphicFramePr>
+            <a:graphicFrameLocks noGrp="1"/>
+          </p:cNvGraphicFramePr>
+          <p:nvPr>
+            <p:ph idx="1"/>
+            <p:extLst>
+              <p:ext uri="{D42A27DB-BD31-4B8C-83A1-F6EECF244321}">
+                <p14:modId xmlns:p14="http://schemas.microsoft.com/office/powerpoint/2010/main" val="4024572739"/>
+              </p:ext>
+            </p:extLst>
+          </p:nvPr>
+        </p:nvGraphicFramePr>
+        <p:xfrm>
+          <a:off x="677863" y="2160588"/>
+          <a:ext cx="8596312" cy="4124960"/>
+        </p:xfrm>
+        <a:graphic>
+          <a:graphicData uri="http://schemas.openxmlformats.org/drawingml/2006/table">
+            <a:tbl>
+              <a:tblPr firstRow="1" bandRow="1">
+                <a:tableStyleId>{5C22544A-7EE6-4342-B048-85BDC9FD1C3A}</a:tableStyleId>
+              </a:tblPr>
+              <a:tblGrid>
+                <a:gridCol w="4298156">
+                  <a:extLst>
+                    <a:ext uri="{9D8B030D-6E8A-4147-A177-3AD203B41FA5}">
+                      <a16:colId xmlns:a16="http://schemas.microsoft.com/office/drawing/2014/main" val="185701267"/>
+                    </a:ext>
+                  </a:extLst>
+                </a:gridCol>
+                <a:gridCol w="4298156">
+                  <a:extLst>
+                    <a:ext uri="{9D8B030D-6E8A-4147-A177-3AD203B41FA5}">
+                      <a16:colId xmlns:a16="http://schemas.microsoft.com/office/drawing/2014/main" val="1564129712"/>
+                    </a:ext>
+                  </a:extLst>
+                </a:gridCol>
+              </a:tblGrid>
+              <a:tr h="370840">
+                <a:tc>
+                  <a:txBody>
+                    <a:bodyPr/>
+                    <a:lstStyle/>
+                    <a:p>
+                      <a:r>
+                        <a:rPr lang="es-ES" dirty="0"/>
+                        <a:t>Atributo</a:t>
+                      </a:r>
+                      <a:endParaRPr lang="es-BO" dirty="0"/>
+                    </a:p>
+                  </a:txBody>
+                  <a:tcPr/>
+                </a:tc>
+                <a:tc>
+                  <a:txBody>
+                    <a:bodyPr/>
+                    <a:lstStyle/>
+                    <a:p>
+                      <a:r>
+                        <a:rPr lang="es-ES" dirty="0"/>
+                        <a:t>Descripción</a:t>
+                      </a:r>
+                      <a:endParaRPr lang="es-BO" dirty="0"/>
+                    </a:p>
+                  </a:txBody>
+                  <a:tcPr/>
+                </a:tc>
+                <a:extLst>
+                  <a:ext uri="{0D108BD9-81ED-4DB2-BD59-A6C34878D82A}">
+                    <a16:rowId xmlns:a16="http://schemas.microsoft.com/office/drawing/2014/main" val="1025892678"/>
+                  </a:ext>
+                </a:extLst>
+              </a:tr>
+              <a:tr h="370840">
+                <a:tc>
+                  <a:txBody>
+                    <a:bodyPr/>
+                    <a:lstStyle/>
+                    <a:p>
+                      <a:r>
+                        <a:rPr lang="es-ES" dirty="0"/>
+                        <a:t>Seguridad</a:t>
+                      </a:r>
+                      <a:endParaRPr lang="es-BO" dirty="0"/>
+                    </a:p>
+                  </a:txBody>
+                  <a:tcPr/>
+                </a:tc>
+                <a:tc>
+                  <a:txBody>
+                    <a:bodyPr/>
+                    <a:lstStyle/>
+                    <a:p>
+                      <a:r>
+                        <a:rPr lang="es-ES" dirty="0"/>
+                        <a:t>Confidencialidad: Debido al tipo de transacciones que se procesaran y la información sensible de las tarjetas se garantiza el almacenamiento de la información</a:t>
+                      </a:r>
+                    </a:p>
+                    <a:p>
+                      <a:r>
+                        <a:rPr lang="es-ES" dirty="0"/>
+                        <a:t>No repudio: Todos los servicios mantienen los logs de operación, los mismos se encontrarán  disponibles para su análisis</a:t>
+                      </a:r>
+                    </a:p>
+                    <a:p>
+                      <a:r>
+                        <a:rPr lang="es-ES" dirty="0"/>
+                        <a:t>Autenticidad: Se debe garantizar el cifrado HTTPS en todas las comunicaciones fuera del sistema</a:t>
+                      </a:r>
+                      <a:endParaRPr lang="es-BO" dirty="0"/>
+                    </a:p>
+                  </a:txBody>
+                  <a:tcPr/>
+                </a:tc>
+                <a:extLst>
+                  <a:ext uri="{0D108BD9-81ED-4DB2-BD59-A6C34878D82A}">
+                    <a16:rowId xmlns:a16="http://schemas.microsoft.com/office/drawing/2014/main" val="2575014692"/>
+                  </a:ext>
+                </a:extLst>
+              </a:tr>
+              <a:tr h="370840">
+                <a:tc>
+                  <a:txBody>
+                    <a:bodyPr/>
+                    <a:lstStyle/>
+                    <a:p>
+                      <a:endParaRPr lang="es-BO"/>
+                    </a:p>
+                  </a:txBody>
+                  <a:tcPr/>
+                </a:tc>
+                <a:tc>
+                  <a:txBody>
+                    <a:bodyPr/>
+                    <a:lstStyle/>
+                    <a:p>
+                      <a:endParaRPr lang="es-BO" dirty="0"/>
+                    </a:p>
+                  </a:txBody>
+                  <a:tcPr/>
+                </a:tc>
+                <a:extLst>
+                  <a:ext uri="{0D108BD9-81ED-4DB2-BD59-A6C34878D82A}">
+                    <a16:rowId xmlns:a16="http://schemas.microsoft.com/office/drawing/2014/main" val="239893819"/>
+                  </a:ext>
+                </a:extLst>
+              </a:tr>
+            </a:tbl>
+          </a:graphicData>
+        </a:graphic>
+      </p:graphicFrame>
+    </p:spTree>
+    <p:extLst>
+      <p:ext uri="{BB962C8B-B14F-4D97-AF65-F5344CB8AC3E}">
+        <p14:creationId xmlns:p14="http://schemas.microsoft.com/office/powerpoint/2010/main" val="2574559549"/>
+      </p:ext>
+    </p:extLst>
+  </p:cSld>
+  <p:clrMapOvr>
+    <a:masterClrMapping/>
+  </p:clrMapOvr>
+</p:sld>
+</file>
+
+<file path=ppt/slides/slide5.xml><?xml version="1.0" encoding="utf-8"?>
+<p:sld xmlns:a="http://schemas.openxmlformats.org/drawingml/2006/main" xmlns:r="http://schemas.openxmlformats.org/officeDocument/2006/relationships" xmlns:p="http://schemas.openxmlformats.org/presentationml/2006/main">
+  <p:cSld>
+    <p:spTree>
+      <p:nvGrpSpPr>
+        <p:cNvPr id="1" name=""/>
+        <p:cNvGrpSpPr/>
+        <p:nvPr/>
+      </p:nvGrpSpPr>
+      <p:grpSpPr>
+        <a:xfrm>
+          <a:off x="0" y="0"/>
+          <a:ext cx="0" cy="0"/>
+          <a:chOff x="0" y="0"/>
+          <a:chExt cx="0" cy="0"/>
+        </a:xfrm>
+      </p:grpSpPr>
+      <p:sp>
+        <p:nvSpPr>
+          <p:cNvPr id="2" name="Título 1">
+            <a:extLst>
+              <a:ext uri="{FF2B5EF4-FFF2-40B4-BE49-F238E27FC236}">
+                <a16:creationId xmlns:a16="http://schemas.microsoft.com/office/drawing/2014/main" id="{F0FBD1B3-C4CE-F99E-CC85-5B4FF566CCB5}"/>
+              </a:ext>
+            </a:extLst>
+          </p:cNvPr>
+          <p:cNvSpPr>
+            <a:spLocks noGrp="1"/>
+          </p:cNvSpPr>
+          <p:nvPr>
+            <p:ph type="title"/>
+          </p:nvPr>
+        </p:nvSpPr>
+        <p:spPr/>
+        <p:txBody>
+          <a:bodyPr/>
+          <a:lstStyle/>
+          <a:p>
+            <a:r>
+              <a:rPr lang="es-ES" dirty="0"/>
+              <a:t>Atributos de Calidad</a:t>
+            </a:r>
+            <a:endParaRPr lang="es-BO" dirty="0"/>
+          </a:p>
+        </p:txBody>
+      </p:sp>
+      <p:graphicFrame>
+        <p:nvGraphicFramePr>
+          <p:cNvPr id="5" name="Marcador de contenido 4">
+            <a:extLst>
+              <a:ext uri="{FF2B5EF4-FFF2-40B4-BE49-F238E27FC236}">
+                <a16:creationId xmlns:a16="http://schemas.microsoft.com/office/drawing/2014/main" id="{42850775-9223-9E8C-1E0B-BBC6184B4776}"/>
+              </a:ext>
+            </a:extLst>
+          </p:cNvPr>
+          <p:cNvGraphicFramePr>
+            <a:graphicFrameLocks noGrp="1"/>
+          </p:cNvGraphicFramePr>
+          <p:nvPr>
+            <p:ph idx="1"/>
+            <p:extLst>
+              <p:ext uri="{D42A27DB-BD31-4B8C-83A1-F6EECF244321}">
+                <p14:modId xmlns:p14="http://schemas.microsoft.com/office/powerpoint/2010/main" val="779518315"/>
+              </p:ext>
+            </p:extLst>
+          </p:nvPr>
+        </p:nvGraphicFramePr>
+        <p:xfrm>
+          <a:off x="677863" y="2160588"/>
+          <a:ext cx="8596312" cy="3296920"/>
+        </p:xfrm>
+        <a:graphic>
+          <a:graphicData uri="http://schemas.openxmlformats.org/drawingml/2006/table">
+            <a:tbl>
+              <a:tblPr firstRow="1" bandRow="1">
+                <a:tableStyleId>{5C22544A-7EE6-4342-B048-85BDC9FD1C3A}</a:tableStyleId>
+              </a:tblPr>
+              <a:tblGrid>
+                <a:gridCol w="4298156">
+                  <a:extLst>
+                    <a:ext uri="{9D8B030D-6E8A-4147-A177-3AD203B41FA5}">
+                      <a16:colId xmlns:a16="http://schemas.microsoft.com/office/drawing/2014/main" val="185701267"/>
+                    </a:ext>
+                  </a:extLst>
+                </a:gridCol>
+                <a:gridCol w="4298156">
+                  <a:extLst>
+                    <a:ext uri="{9D8B030D-6E8A-4147-A177-3AD203B41FA5}">
+                      <a16:colId xmlns:a16="http://schemas.microsoft.com/office/drawing/2014/main" val="1564129712"/>
+                    </a:ext>
+                  </a:extLst>
+                </a:gridCol>
+              </a:tblGrid>
+              <a:tr h="370840">
+                <a:tc>
+                  <a:txBody>
+                    <a:bodyPr/>
+                    <a:lstStyle/>
+                    <a:p>
+                      <a:r>
+                        <a:rPr lang="es-ES" dirty="0"/>
+                        <a:t>Atributo</a:t>
+                      </a:r>
+                      <a:endParaRPr lang="es-BO" dirty="0"/>
+                    </a:p>
+                  </a:txBody>
+                  <a:tcPr/>
+                </a:tc>
+                <a:tc>
+                  <a:txBody>
+                    <a:bodyPr/>
+                    <a:lstStyle/>
+                    <a:p>
+                      <a:r>
+                        <a:rPr lang="es-ES" dirty="0"/>
+                        <a:t>Descripción</a:t>
+                      </a:r>
+                      <a:endParaRPr lang="es-BO" dirty="0"/>
+                    </a:p>
+                  </a:txBody>
+                  <a:tcPr/>
+                </a:tc>
+                <a:extLst>
+                  <a:ext uri="{0D108BD9-81ED-4DB2-BD59-A6C34878D82A}">
+                    <a16:rowId xmlns:a16="http://schemas.microsoft.com/office/drawing/2014/main" val="1025892678"/>
+                  </a:ext>
+                </a:extLst>
+              </a:tr>
+              <a:tr h="370840">
+                <a:tc>
+                  <a:txBody>
+                    <a:bodyPr/>
+                    <a:lstStyle/>
+                    <a:p>
+                      <a:r>
+                        <a:rPr lang="es-ES" dirty="0"/>
+                        <a:t>Adecuación Funcional</a:t>
+                      </a:r>
+                      <a:endParaRPr lang="es-BO" dirty="0"/>
+                    </a:p>
+                  </a:txBody>
+                  <a:tcPr/>
+                </a:tc>
+                <a:tc>
+                  <a:txBody>
+                    <a:bodyPr/>
+                    <a:lstStyle/>
+                    <a:p>
+                      <a:r>
+                        <a:rPr lang="es-ES" dirty="0"/>
+                        <a:t>Corrección Funcional: Debido a las operaciones críticas que se operaran dentro de la plataforma, el sistema debe cumplir a cabalidad las funciones para lo que fue desarrollado</a:t>
+                      </a:r>
+                      <a:endParaRPr lang="es-BO" dirty="0"/>
+                    </a:p>
+                  </a:txBody>
+                  <a:tcPr/>
+                </a:tc>
+                <a:extLst>
+                  <a:ext uri="{0D108BD9-81ED-4DB2-BD59-A6C34878D82A}">
+                    <a16:rowId xmlns:a16="http://schemas.microsoft.com/office/drawing/2014/main" val="2575014692"/>
+                  </a:ext>
+                </a:extLst>
+              </a:tr>
+              <a:tr h="370840">
+                <a:tc>
+                  <a:txBody>
+                    <a:bodyPr/>
+                    <a:lstStyle/>
+                    <a:p>
+                      <a:r>
+                        <a:rPr lang="es-ES" dirty="0"/>
+                        <a:t>Fiabilidad</a:t>
+                      </a:r>
+                      <a:endParaRPr lang="es-BO" dirty="0"/>
+                    </a:p>
+                  </a:txBody>
+                  <a:tcPr/>
+                </a:tc>
+                <a:tc>
+                  <a:txBody>
+                    <a:bodyPr/>
+                    <a:lstStyle/>
+                    <a:p>
+                      <a:r>
+                        <a:rPr lang="es-ES" dirty="0"/>
+                        <a:t>Disponibilidad: Con el fin de mantener un alto grado de disponibilidad nos centraremos en </a:t>
+                      </a:r>
+                      <a:r>
+                        <a:rPr lang="es-ES" dirty="0" err="1"/>
+                        <a:t>Redundant</a:t>
+                      </a:r>
+                      <a:r>
+                        <a:rPr lang="es-ES" dirty="0"/>
+                        <a:t> Implementación y configuraciones en </a:t>
+                      </a:r>
+                      <a:r>
+                        <a:rPr lang="es-ES" dirty="0" err="1"/>
+                        <a:t>Cluster</a:t>
+                      </a:r>
+                      <a:endParaRPr lang="es-BO" dirty="0"/>
+                    </a:p>
+                  </a:txBody>
+                  <a:tcPr/>
+                </a:tc>
+                <a:extLst>
+                  <a:ext uri="{0D108BD9-81ED-4DB2-BD59-A6C34878D82A}">
+                    <a16:rowId xmlns:a16="http://schemas.microsoft.com/office/drawing/2014/main" val="239893819"/>
+                  </a:ext>
+                </a:extLst>
+              </a:tr>
+            </a:tbl>
+          </a:graphicData>
+        </a:graphic>
+      </p:graphicFrame>
+    </p:spTree>
+    <p:extLst>
+      <p:ext uri="{BB962C8B-B14F-4D97-AF65-F5344CB8AC3E}">
+        <p14:creationId xmlns:p14="http://schemas.microsoft.com/office/powerpoint/2010/main" val="2266283826"/>
+      </p:ext>
+    </p:extLst>
+  </p:cSld>
+  <p:clrMapOvr>
+    <a:masterClrMapping/>
+  </p:clrMapOvr>
+</p:sld>
+</file>
+
 <file path=ppt/slides/slide6.xml><?xml version="1.0" encoding="utf-8"?>
 <p:sld xmlns:a="http://schemas.openxmlformats.org/drawingml/2006/main" xmlns:r="http://schemas.openxmlformats.org/officeDocument/2006/relationships" xmlns:p="http://schemas.openxmlformats.org/presentationml/2006/main">
   <p:cSld>
@@ -6278,7 +7127,7 @@
           <p:cNvPr id="2" name="Título 1">
             <a:extLst>
               <a:ext uri="{FF2B5EF4-FFF2-40B4-BE49-F238E27FC236}">
-                <a16:creationId xmlns:a16="http://schemas.microsoft.com/office/drawing/2014/main" id="{9E32F659-B156-20E5-8770-3DFA1E4FE2D7}"/>
+                <a16:creationId xmlns:a16="http://schemas.microsoft.com/office/drawing/2014/main" id="{F0FBD1B3-C4CE-F99E-CC85-5B4FF566CCB5}"/>
               </a:ext>
             </a:extLst>
           </p:cNvPr>
@@ -6296,41 +7145,172 @@
           <a:p>
             <a:r>
               <a:rPr lang="es-ES" dirty="0"/>
-              <a:t>Vistas de Desarrollo</a:t>
+              <a:t>Atributos de Calidad</a:t>
             </a:r>
             <a:endParaRPr lang="es-BO" dirty="0"/>
           </a:p>
         </p:txBody>
       </p:sp>
-      <p:sp>
-        <p:nvSpPr>
-          <p:cNvPr id="3" name="Marcador de contenido 2">
+      <p:graphicFrame>
+        <p:nvGraphicFramePr>
+          <p:cNvPr id="5" name="Marcador de contenido 4">
             <a:extLst>
               <a:ext uri="{FF2B5EF4-FFF2-40B4-BE49-F238E27FC236}">
-                <a16:creationId xmlns:a16="http://schemas.microsoft.com/office/drawing/2014/main" id="{1A10FD32-3B91-BFF8-0DF2-3D309B390F5E}"/>
+                <a16:creationId xmlns:a16="http://schemas.microsoft.com/office/drawing/2014/main" id="{42850775-9223-9E8C-1E0B-BBC6184B4776}"/>
               </a:ext>
             </a:extLst>
           </p:cNvPr>
-          <p:cNvSpPr>
-            <a:spLocks noGrp="1"/>
-          </p:cNvSpPr>
+          <p:cNvGraphicFramePr>
+            <a:graphicFrameLocks noGrp="1"/>
+          </p:cNvGraphicFramePr>
           <p:nvPr>
             <p:ph idx="1"/>
-          </p:nvPr>
-        </p:nvSpPr>
-        <p:spPr/>
-        <p:txBody>
-          <a:bodyPr/>
-          <a:lstStyle/>
-          <a:p>
-            <a:endParaRPr lang="es-BO"/>
-          </a:p>
-        </p:txBody>
-      </p:sp>
+            <p:extLst>
+              <p:ext uri="{D42A27DB-BD31-4B8C-83A1-F6EECF244321}">
+                <p14:modId xmlns:p14="http://schemas.microsoft.com/office/powerpoint/2010/main" val="1988799041"/>
+              </p:ext>
+            </p:extLst>
+          </p:nvPr>
+        </p:nvGraphicFramePr>
+        <p:xfrm>
+          <a:off x="677863" y="2160588"/>
+          <a:ext cx="8596312" cy="4119880"/>
+        </p:xfrm>
+        <a:graphic>
+          <a:graphicData uri="http://schemas.openxmlformats.org/drawingml/2006/table">
+            <a:tbl>
+              <a:tblPr firstRow="1" bandRow="1">
+                <a:tableStyleId>{5C22544A-7EE6-4342-B048-85BDC9FD1C3A}</a:tableStyleId>
+              </a:tblPr>
+              <a:tblGrid>
+                <a:gridCol w="4298156">
+                  <a:extLst>
+                    <a:ext uri="{9D8B030D-6E8A-4147-A177-3AD203B41FA5}">
+                      <a16:colId xmlns:a16="http://schemas.microsoft.com/office/drawing/2014/main" val="185701267"/>
+                    </a:ext>
+                  </a:extLst>
+                </a:gridCol>
+                <a:gridCol w="4298156">
+                  <a:extLst>
+                    <a:ext uri="{9D8B030D-6E8A-4147-A177-3AD203B41FA5}">
+                      <a16:colId xmlns:a16="http://schemas.microsoft.com/office/drawing/2014/main" val="1564129712"/>
+                    </a:ext>
+                  </a:extLst>
+                </a:gridCol>
+              </a:tblGrid>
+              <a:tr h="370840">
+                <a:tc>
+                  <a:txBody>
+                    <a:bodyPr/>
+                    <a:lstStyle/>
+                    <a:p>
+                      <a:r>
+                        <a:rPr lang="es-ES" dirty="0"/>
+                        <a:t>Atributo</a:t>
+                      </a:r>
+                      <a:endParaRPr lang="es-BO" dirty="0"/>
+                    </a:p>
+                  </a:txBody>
+                  <a:tcPr/>
+                </a:tc>
+                <a:tc>
+                  <a:txBody>
+                    <a:bodyPr/>
+                    <a:lstStyle/>
+                    <a:p>
+                      <a:r>
+                        <a:rPr lang="es-ES" dirty="0"/>
+                        <a:t>Descripción</a:t>
+                      </a:r>
+                      <a:endParaRPr lang="es-BO" dirty="0"/>
+                    </a:p>
+                  </a:txBody>
+                  <a:tcPr/>
+                </a:tc>
+                <a:extLst>
+                  <a:ext uri="{0D108BD9-81ED-4DB2-BD59-A6C34878D82A}">
+                    <a16:rowId xmlns:a16="http://schemas.microsoft.com/office/drawing/2014/main" val="1025892678"/>
+                  </a:ext>
+                </a:extLst>
+              </a:tr>
+              <a:tr h="370840">
+                <a:tc>
+                  <a:txBody>
+                    <a:bodyPr/>
+                    <a:lstStyle/>
+                    <a:p>
+                      <a:r>
+                        <a:rPr lang="es-ES" dirty="0"/>
+                        <a:t>Compatibilidad</a:t>
+                      </a:r>
+                      <a:endParaRPr lang="es-BO" dirty="0"/>
+                    </a:p>
+                  </a:txBody>
+                  <a:tcPr/>
+                </a:tc>
+                <a:tc>
+                  <a:txBody>
+                    <a:bodyPr/>
+                    <a:lstStyle/>
+                    <a:p>
+                      <a:r>
+                        <a:rPr lang="es-ES" dirty="0"/>
+                        <a:t>Interoperabilidad: la solución debe intercambiar información con otros sistemas de la entidad financiera por lo que requiere de un alto grado de interoperabilidad</a:t>
+                      </a:r>
+                      <a:endParaRPr lang="es-BO" dirty="0"/>
+                    </a:p>
+                  </a:txBody>
+                  <a:tcPr/>
+                </a:tc>
+                <a:extLst>
+                  <a:ext uri="{0D108BD9-81ED-4DB2-BD59-A6C34878D82A}">
+                    <a16:rowId xmlns:a16="http://schemas.microsoft.com/office/drawing/2014/main" val="2575014692"/>
+                  </a:ext>
+                </a:extLst>
+              </a:tr>
+              <a:tr h="370840">
+                <a:tc>
+                  <a:txBody>
+                    <a:bodyPr/>
+                    <a:lstStyle/>
+                    <a:p>
+                      <a:r>
+                        <a:rPr lang="es-ES" dirty="0"/>
+                        <a:t>Mantenibilidad</a:t>
+                      </a:r>
+                      <a:endParaRPr lang="es-BO" dirty="0"/>
+                    </a:p>
+                  </a:txBody>
+                  <a:tcPr/>
+                </a:tc>
+                <a:tc>
+                  <a:txBody>
+                    <a:bodyPr/>
+                    <a:lstStyle/>
+                    <a:p>
+                      <a:r>
+                        <a:rPr lang="es-ES" dirty="0"/>
+                        <a:t>Capacidad para ser modificado:  La solución debe permitir que sea modificado de forma efectiva y eficiente sin introducir defectos o degradar el desempeño con el fin de permitir que la integración con las plataformas de los proveedores sea flexible​</a:t>
+                      </a:r>
+                      <a:endParaRPr lang="es-BO" dirty="0"/>
+                    </a:p>
+                  </a:txBody>
+                  <a:tcPr/>
+                </a:tc>
+                <a:extLst>
+                  <a:ext uri="{0D108BD9-81ED-4DB2-BD59-A6C34878D82A}">
+                    <a16:rowId xmlns:a16="http://schemas.microsoft.com/office/drawing/2014/main" val="239893819"/>
+                  </a:ext>
+                </a:extLst>
+              </a:tr>
+            </a:tbl>
+          </a:graphicData>
+        </a:graphic>
+      </p:graphicFrame>
     </p:spTree>
     <p:extLst>
       <p:ext uri="{BB962C8B-B14F-4D97-AF65-F5344CB8AC3E}">
-        <p14:creationId xmlns:p14="http://schemas.microsoft.com/office/powerpoint/2010/main" val="3827597486"/>
+        <p14:creationId xmlns:p14="http://schemas.microsoft.com/office/powerpoint/2010/main" val="1223093091"/>
       </p:ext>
     </p:extLst>
   </p:cSld>
@@ -6362,7 +7342,7 @@
           <p:cNvPr id="2" name="Título 1">
             <a:extLst>
               <a:ext uri="{FF2B5EF4-FFF2-40B4-BE49-F238E27FC236}">
-                <a16:creationId xmlns:a16="http://schemas.microsoft.com/office/drawing/2014/main" id="{662FF066-70B8-5DAC-CF45-ED17C76F0C81}"/>
+                <a16:creationId xmlns:a16="http://schemas.microsoft.com/office/drawing/2014/main" id="{9E32F659-B156-20E5-8770-3DFA1E4FE2D7}"/>
               </a:ext>
             </a:extLst>
           </p:cNvPr>
@@ -6373,48 +7353,1099 @@
             <p:ph type="title"/>
           </p:nvPr>
         </p:nvSpPr>
-        <p:spPr/>
+        <p:spPr>
+          <a:xfrm>
+            <a:off x="677690" y="289560"/>
+            <a:ext cx="8596668" cy="762000"/>
+          </a:xfrm>
+        </p:spPr>
         <p:txBody>
           <a:bodyPr/>
           <a:lstStyle/>
           <a:p>
             <a:r>
               <a:rPr lang="es-ES" dirty="0"/>
-              <a:t>Vista de Despliegue</a:t>
+              <a:t>Escenarios</a:t>
             </a:r>
             <a:endParaRPr lang="es-BO" dirty="0"/>
           </a:p>
         </p:txBody>
       </p:sp>
-      <p:sp>
-        <p:nvSpPr>
-          <p:cNvPr id="11" name="Marcador de contenido 10">
+      <p:graphicFrame>
+        <p:nvGraphicFramePr>
+          <p:cNvPr id="4" name="Marcador de contenido 3">
             <a:extLst>
               <a:ext uri="{FF2B5EF4-FFF2-40B4-BE49-F238E27FC236}">
-                <a16:creationId xmlns:a16="http://schemas.microsoft.com/office/drawing/2014/main" id="{75CDD711-B17D-798E-1AC3-BE95A8A96A17}"/>
+                <a16:creationId xmlns:a16="http://schemas.microsoft.com/office/drawing/2014/main" id="{4CA628CA-E52B-A9B2-8E2E-59BC677A9A6B}"/>
               </a:ext>
             </a:extLst>
           </p:cNvPr>
-          <p:cNvSpPr>
-            <a:spLocks noGrp="1"/>
-          </p:cNvSpPr>
+          <p:cNvGraphicFramePr>
+            <a:graphicFrameLocks noGrp="1"/>
+          </p:cNvGraphicFramePr>
           <p:nvPr>
             <p:ph idx="1"/>
-          </p:nvPr>
-        </p:nvSpPr>
-        <p:spPr/>
-        <p:txBody>
-          <a:bodyPr/>
-          <a:lstStyle/>
-          <a:p>
-            <a:endParaRPr lang="es-BO"/>
-          </a:p>
-        </p:txBody>
-      </p:sp>
+            <p:extLst>
+              <p:ext uri="{D42A27DB-BD31-4B8C-83A1-F6EECF244321}">
+                <p14:modId xmlns:p14="http://schemas.microsoft.com/office/powerpoint/2010/main" val="394468000"/>
+              </p:ext>
+            </p:extLst>
+          </p:nvPr>
+        </p:nvGraphicFramePr>
+        <p:xfrm>
+          <a:off x="677690" y="917004"/>
+          <a:ext cx="8960086" cy="5273292"/>
+        </p:xfrm>
+        <a:graphic>
+          <a:graphicData uri="http://schemas.openxmlformats.org/drawingml/2006/table">
+            <a:tbl>
+              <a:tblPr firstRow="1" bandRow="1">
+                <a:tableStyleId>{5C22544A-7EE6-4342-B048-85BDC9FD1C3A}</a:tableStyleId>
+              </a:tblPr>
+              <a:tblGrid>
+                <a:gridCol w="3062206">
+                  <a:extLst>
+                    <a:ext uri="{9D8B030D-6E8A-4147-A177-3AD203B41FA5}">
+                      <a16:colId xmlns:a16="http://schemas.microsoft.com/office/drawing/2014/main" val="2375645145"/>
+                    </a:ext>
+                  </a:extLst>
+                </a:gridCol>
+                <a:gridCol w="5897880">
+                  <a:extLst>
+                    <a:ext uri="{9D8B030D-6E8A-4147-A177-3AD203B41FA5}">
+                      <a16:colId xmlns:a16="http://schemas.microsoft.com/office/drawing/2014/main" val="1118495026"/>
+                    </a:ext>
+                  </a:extLst>
+                </a:gridCol>
+              </a:tblGrid>
+              <a:tr h="563943">
+                <a:tc>
+                  <a:txBody>
+                    <a:bodyPr/>
+                    <a:lstStyle/>
+                    <a:p>
+                      <a:r>
+                        <a:rPr lang="es-ES" dirty="0"/>
+                        <a:t>Escenario</a:t>
+                      </a:r>
+                      <a:endParaRPr lang="es-BO" dirty="0"/>
+                    </a:p>
+                  </a:txBody>
+                  <a:tcPr/>
+                </a:tc>
+                <a:tc>
+                  <a:txBody>
+                    <a:bodyPr/>
+                    <a:lstStyle/>
+                    <a:p>
+                      <a:r>
+                        <a:rPr lang="es-ES" dirty="0"/>
+                        <a:t>Respuesta del Sistema</a:t>
+                      </a:r>
+                      <a:endParaRPr lang="es-BO" dirty="0"/>
+                    </a:p>
+                  </a:txBody>
+                  <a:tcPr/>
+                </a:tc>
+                <a:extLst>
+                  <a:ext uri="{0D108BD9-81ED-4DB2-BD59-A6C34878D82A}">
+                    <a16:rowId xmlns:a16="http://schemas.microsoft.com/office/drawing/2014/main" val="924715585"/>
+                  </a:ext>
+                </a:extLst>
+              </a:tr>
+              <a:tr h="563943">
+                <a:tc>
+                  <a:txBody>
+                    <a:bodyPr/>
+                    <a:lstStyle/>
+                    <a:p>
+                      <a:r>
+                        <a:rPr lang="es-ES" dirty="0"/>
+                        <a:t>Justificación</a:t>
+                      </a:r>
+                      <a:endParaRPr lang="es-BO" dirty="0"/>
+                    </a:p>
+                  </a:txBody>
+                  <a:tcPr/>
+                </a:tc>
+                <a:tc>
+                  <a:txBody>
+                    <a:bodyPr/>
+                    <a:lstStyle/>
+                    <a:p>
+                      <a:r>
+                        <a:rPr lang="es-ES" dirty="0"/>
+                        <a:t>Debido a la integración que deben tener con otros sistemas de la entidad financiera, es necesario contar con tiempos de respuesta menores a 1 segundo</a:t>
+                      </a:r>
+                      <a:endParaRPr lang="es-BO" dirty="0"/>
+                    </a:p>
+                  </a:txBody>
+                  <a:tcPr/>
+                </a:tc>
+                <a:extLst>
+                  <a:ext uri="{0D108BD9-81ED-4DB2-BD59-A6C34878D82A}">
+                    <a16:rowId xmlns:a16="http://schemas.microsoft.com/office/drawing/2014/main" val="2429855617"/>
+                  </a:ext>
+                </a:extLst>
+              </a:tr>
+              <a:tr h="563943">
+                <a:tc>
+                  <a:txBody>
+                    <a:bodyPr/>
+                    <a:lstStyle/>
+                    <a:p>
+                      <a:r>
+                        <a:rPr lang="es-ES" dirty="0"/>
+                        <a:t>Atributos de Calidad</a:t>
+                      </a:r>
+                      <a:endParaRPr lang="es-BO" dirty="0"/>
+                    </a:p>
+                  </a:txBody>
+                  <a:tcPr/>
+                </a:tc>
+                <a:tc>
+                  <a:txBody>
+                    <a:bodyPr/>
+                    <a:lstStyle/>
+                    <a:p>
+                      <a:r>
+                        <a:rPr lang="es-ES" dirty="0"/>
+                        <a:t>Disponibilidad</a:t>
+                      </a:r>
+                      <a:endParaRPr lang="es-BO" dirty="0"/>
+                    </a:p>
+                  </a:txBody>
+                  <a:tcPr/>
+                </a:tc>
+                <a:extLst>
+                  <a:ext uri="{0D108BD9-81ED-4DB2-BD59-A6C34878D82A}">
+                    <a16:rowId xmlns:a16="http://schemas.microsoft.com/office/drawing/2014/main" val="2768934117"/>
+                  </a:ext>
+                </a:extLst>
+              </a:tr>
+              <a:tr h="563943">
+                <a:tc>
+                  <a:txBody>
+                    <a:bodyPr/>
+                    <a:lstStyle/>
+                    <a:p>
+                      <a:r>
+                        <a:rPr lang="es-ES" dirty="0"/>
+                        <a:t>Estímulos</a:t>
+                      </a:r>
+                      <a:endParaRPr lang="es-BO" dirty="0"/>
+                    </a:p>
+                  </a:txBody>
+                  <a:tcPr/>
+                </a:tc>
+                <a:tc>
+                  <a:txBody>
+                    <a:bodyPr/>
+                    <a:lstStyle/>
+                    <a:p>
+                      <a:r>
+                        <a:rPr lang="es-ES" dirty="0"/>
+                        <a:t>Interacción de otros sistemas con el servicio</a:t>
+                      </a:r>
+                      <a:endParaRPr lang="es-BO" dirty="0"/>
+                    </a:p>
+                  </a:txBody>
+                  <a:tcPr/>
+                </a:tc>
+                <a:extLst>
+                  <a:ext uri="{0D108BD9-81ED-4DB2-BD59-A6C34878D82A}">
+                    <a16:rowId xmlns:a16="http://schemas.microsoft.com/office/drawing/2014/main" val="240832334"/>
+                  </a:ext>
+                </a:extLst>
+              </a:tr>
+              <a:tr h="563943">
+                <a:tc>
+                  <a:txBody>
+                    <a:bodyPr/>
+                    <a:lstStyle/>
+                    <a:p>
+                      <a:r>
+                        <a:rPr lang="es-ES" dirty="0"/>
+                        <a:t>Respuesta</a:t>
+                      </a:r>
+                      <a:endParaRPr lang="es-BO" dirty="0"/>
+                    </a:p>
+                  </a:txBody>
+                  <a:tcPr/>
+                </a:tc>
+                <a:tc>
+                  <a:txBody>
+                    <a:bodyPr/>
+                    <a:lstStyle/>
+                    <a:p>
+                      <a:r>
+                        <a:rPr lang="es-ES" dirty="0"/>
+                        <a:t>Bajo condiciones de baja carga y carga normal la petición al servicio no debe sobrepasar 1 segundo por petición, En caso de alta carga el tiempo de petición no debe sobrepasar 2 segundos.</a:t>
+                      </a:r>
+                      <a:endParaRPr lang="es-BO" dirty="0"/>
+                    </a:p>
+                  </a:txBody>
+                  <a:tcPr/>
+                </a:tc>
+                <a:extLst>
+                  <a:ext uri="{0D108BD9-81ED-4DB2-BD59-A6C34878D82A}">
+                    <a16:rowId xmlns:a16="http://schemas.microsoft.com/office/drawing/2014/main" val="882346981"/>
+                  </a:ext>
+                </a:extLst>
+              </a:tr>
+              <a:tr h="563943">
+                <a:tc>
+                  <a:txBody>
+                    <a:bodyPr/>
+                    <a:lstStyle/>
+                    <a:p>
+                      <a:r>
+                        <a:rPr lang="es-ES" dirty="0"/>
+                        <a:t>Decisiones de Arquitectura</a:t>
+                      </a:r>
+                      <a:endParaRPr lang="es-BO" dirty="0"/>
+                    </a:p>
+                  </a:txBody>
+                  <a:tcPr/>
+                </a:tc>
+                <a:tc>
+                  <a:txBody>
+                    <a:bodyPr/>
+                    <a:lstStyle/>
+                    <a:p>
+                      <a:r>
+                        <a:rPr lang="es-ES" dirty="0"/>
+                        <a:t>Implementar </a:t>
+                      </a:r>
+                      <a:r>
+                        <a:rPr lang="es-ES" dirty="0" err="1"/>
+                        <a:t>Kubernetes</a:t>
+                      </a:r>
+                      <a:r>
+                        <a:rPr lang="es-ES" dirty="0"/>
+                        <a:t> ya que se cuenta con una infraestructura on premise, lo que escalar los servicios para atender las solicitudes</a:t>
+                      </a:r>
+                      <a:endParaRPr lang="es-BO" dirty="0"/>
+                    </a:p>
+                  </a:txBody>
+                  <a:tcPr/>
+                </a:tc>
+                <a:extLst>
+                  <a:ext uri="{0D108BD9-81ED-4DB2-BD59-A6C34878D82A}">
+                    <a16:rowId xmlns:a16="http://schemas.microsoft.com/office/drawing/2014/main" val="3192745830"/>
+                  </a:ext>
+                </a:extLst>
+              </a:tr>
+              <a:tr h="563943">
+                <a:tc>
+                  <a:txBody>
+                    <a:bodyPr/>
+                    <a:lstStyle/>
+                    <a:p>
+                      <a:r>
+                        <a:rPr lang="es-ES" dirty="0"/>
+                        <a:t>Medición</a:t>
+                      </a:r>
+                      <a:endParaRPr lang="es-BO" dirty="0"/>
+                    </a:p>
+                  </a:txBody>
+                  <a:tcPr/>
+                </a:tc>
+                <a:tc>
+                  <a:txBody>
+                    <a:bodyPr/>
+                    <a:lstStyle/>
+                    <a:p>
+                      <a:r>
+                        <a:rPr lang="es-ES" dirty="0"/>
+                        <a:t>Tiempo de respuesta en segundos</a:t>
+                      </a:r>
+                      <a:endParaRPr lang="es-BO" dirty="0"/>
+                    </a:p>
+                  </a:txBody>
+                  <a:tcPr/>
+                </a:tc>
+                <a:extLst>
+                  <a:ext uri="{0D108BD9-81ED-4DB2-BD59-A6C34878D82A}">
+                    <a16:rowId xmlns:a16="http://schemas.microsoft.com/office/drawing/2014/main" val="2395087671"/>
+                  </a:ext>
+                </a:extLst>
+              </a:tr>
+            </a:tbl>
+          </a:graphicData>
+        </a:graphic>
+      </p:graphicFrame>
     </p:spTree>
     <p:extLst>
       <p:ext uri="{BB962C8B-B14F-4D97-AF65-F5344CB8AC3E}">
-        <p14:creationId xmlns:p14="http://schemas.microsoft.com/office/powerpoint/2010/main" val="2669304748"/>
+        <p14:creationId xmlns:p14="http://schemas.microsoft.com/office/powerpoint/2010/main" val="904657490"/>
+      </p:ext>
+    </p:extLst>
+  </p:cSld>
+  <p:clrMapOvr>
+    <a:masterClrMapping/>
+  </p:clrMapOvr>
+</p:sld>
+</file>
+
+<file path=ppt/slides/slide8.xml><?xml version="1.0" encoding="utf-8"?>
+<p:sld xmlns:a="http://schemas.openxmlformats.org/drawingml/2006/main" xmlns:r="http://schemas.openxmlformats.org/officeDocument/2006/relationships" xmlns:p="http://schemas.openxmlformats.org/presentationml/2006/main">
+  <p:cSld>
+    <p:spTree>
+      <p:nvGrpSpPr>
+        <p:cNvPr id="1" name=""/>
+        <p:cNvGrpSpPr/>
+        <p:nvPr/>
+      </p:nvGrpSpPr>
+      <p:grpSpPr>
+        <a:xfrm>
+          <a:off x="0" y="0"/>
+          <a:ext cx="0" cy="0"/>
+          <a:chOff x="0" y="0"/>
+          <a:chExt cx="0" cy="0"/>
+        </a:xfrm>
+      </p:grpSpPr>
+      <p:sp>
+        <p:nvSpPr>
+          <p:cNvPr id="2" name="Título 1">
+            <a:extLst>
+              <a:ext uri="{FF2B5EF4-FFF2-40B4-BE49-F238E27FC236}">
+                <a16:creationId xmlns:a16="http://schemas.microsoft.com/office/drawing/2014/main" id="{9E32F659-B156-20E5-8770-3DFA1E4FE2D7}"/>
+              </a:ext>
+            </a:extLst>
+          </p:cNvPr>
+          <p:cNvSpPr>
+            <a:spLocks noGrp="1"/>
+          </p:cNvSpPr>
+          <p:nvPr>
+            <p:ph type="title"/>
+          </p:nvPr>
+        </p:nvSpPr>
+        <p:spPr/>
+        <p:txBody>
+          <a:bodyPr/>
+          <a:lstStyle/>
+          <a:p>
+            <a:r>
+              <a:rPr lang="es-ES" dirty="0"/>
+              <a:t>Escenarios</a:t>
+            </a:r>
+            <a:endParaRPr lang="es-BO" dirty="0"/>
+          </a:p>
+        </p:txBody>
+      </p:sp>
+      <p:graphicFrame>
+        <p:nvGraphicFramePr>
+          <p:cNvPr id="4" name="Marcador de contenido 3">
+            <a:extLst>
+              <a:ext uri="{FF2B5EF4-FFF2-40B4-BE49-F238E27FC236}">
+                <a16:creationId xmlns:a16="http://schemas.microsoft.com/office/drawing/2014/main" id="{4CA628CA-E52B-A9B2-8E2E-59BC677A9A6B}"/>
+              </a:ext>
+            </a:extLst>
+          </p:cNvPr>
+          <p:cNvGraphicFramePr>
+            <a:graphicFrameLocks noGrp="1"/>
+          </p:cNvGraphicFramePr>
+          <p:nvPr>
+            <p:ph idx="1"/>
+            <p:extLst>
+              <p:ext uri="{D42A27DB-BD31-4B8C-83A1-F6EECF244321}">
+                <p14:modId xmlns:p14="http://schemas.microsoft.com/office/powerpoint/2010/main" val="2455028738"/>
+              </p:ext>
+            </p:extLst>
+          </p:nvPr>
+        </p:nvGraphicFramePr>
+        <p:xfrm>
+          <a:off x="677690" y="1502220"/>
+          <a:ext cx="8960086" cy="5075109"/>
+        </p:xfrm>
+        <a:graphic>
+          <a:graphicData uri="http://schemas.openxmlformats.org/drawingml/2006/table">
+            <a:tbl>
+              <a:tblPr firstRow="1" bandRow="1">
+                <a:tableStyleId>{5C22544A-7EE6-4342-B048-85BDC9FD1C3A}</a:tableStyleId>
+              </a:tblPr>
+              <a:tblGrid>
+                <a:gridCol w="3062206">
+                  <a:extLst>
+                    <a:ext uri="{9D8B030D-6E8A-4147-A177-3AD203B41FA5}">
+                      <a16:colId xmlns:a16="http://schemas.microsoft.com/office/drawing/2014/main" val="2375645145"/>
+                    </a:ext>
+                  </a:extLst>
+                </a:gridCol>
+                <a:gridCol w="5897880">
+                  <a:extLst>
+                    <a:ext uri="{9D8B030D-6E8A-4147-A177-3AD203B41FA5}">
+                      <a16:colId xmlns:a16="http://schemas.microsoft.com/office/drawing/2014/main" val="1118495026"/>
+                    </a:ext>
+                  </a:extLst>
+                </a:gridCol>
+              </a:tblGrid>
+              <a:tr h="563943">
+                <a:tc>
+                  <a:txBody>
+                    <a:bodyPr/>
+                    <a:lstStyle/>
+                    <a:p>
+                      <a:r>
+                        <a:rPr lang="es-ES" dirty="0"/>
+                        <a:t>Escenario</a:t>
+                      </a:r>
+                      <a:endParaRPr lang="es-BO" dirty="0"/>
+                    </a:p>
+                  </a:txBody>
+                  <a:tcPr/>
+                </a:tc>
+                <a:tc>
+                  <a:txBody>
+                    <a:bodyPr/>
+                    <a:lstStyle/>
+                    <a:p>
+                      <a:r>
+                        <a:rPr lang="es-ES" dirty="0"/>
+                        <a:t>Respuesta a ataques</a:t>
+                      </a:r>
+                      <a:endParaRPr lang="es-BO" dirty="0"/>
+                    </a:p>
+                  </a:txBody>
+                  <a:tcPr/>
+                </a:tc>
+                <a:extLst>
+                  <a:ext uri="{0D108BD9-81ED-4DB2-BD59-A6C34878D82A}">
+                    <a16:rowId xmlns:a16="http://schemas.microsoft.com/office/drawing/2014/main" val="924715585"/>
+                  </a:ext>
+                </a:extLst>
+              </a:tr>
+              <a:tr h="563943">
+                <a:tc>
+                  <a:txBody>
+                    <a:bodyPr/>
+                    <a:lstStyle/>
+                    <a:p>
+                      <a:r>
+                        <a:rPr lang="es-ES" dirty="0"/>
+                        <a:t>Justificación</a:t>
+                      </a:r>
+                      <a:endParaRPr lang="es-BO" dirty="0"/>
+                    </a:p>
+                  </a:txBody>
+                  <a:tcPr/>
+                </a:tc>
+                <a:tc>
+                  <a:txBody>
+                    <a:bodyPr/>
+                    <a:lstStyle/>
+                    <a:p>
+                      <a:r>
+                        <a:rPr lang="es-ES" dirty="0"/>
+                        <a:t>Al estar en un entorno de manejo de cuentas y tarjetas es necesario tener un robusto esquema de seguridad y respuestas oportunas a cualquier ataque de terceros</a:t>
+                      </a:r>
+                      <a:endParaRPr lang="es-BO" dirty="0"/>
+                    </a:p>
+                  </a:txBody>
+                  <a:tcPr/>
+                </a:tc>
+                <a:extLst>
+                  <a:ext uri="{0D108BD9-81ED-4DB2-BD59-A6C34878D82A}">
+                    <a16:rowId xmlns:a16="http://schemas.microsoft.com/office/drawing/2014/main" val="2429855617"/>
+                  </a:ext>
+                </a:extLst>
+              </a:tr>
+              <a:tr h="563943">
+                <a:tc>
+                  <a:txBody>
+                    <a:bodyPr/>
+                    <a:lstStyle/>
+                    <a:p>
+                      <a:r>
+                        <a:rPr lang="es-ES" dirty="0"/>
+                        <a:t>Atributos de Calidad</a:t>
+                      </a:r>
+                      <a:endParaRPr lang="es-BO" dirty="0"/>
+                    </a:p>
+                  </a:txBody>
+                  <a:tcPr/>
+                </a:tc>
+                <a:tc>
+                  <a:txBody>
+                    <a:bodyPr/>
+                    <a:lstStyle/>
+                    <a:p>
+                      <a:r>
+                        <a:rPr lang="es-ES" dirty="0"/>
+                        <a:t>Seguridad, Disponibilidad</a:t>
+                      </a:r>
+                      <a:endParaRPr lang="es-BO" dirty="0"/>
+                    </a:p>
+                  </a:txBody>
+                  <a:tcPr/>
+                </a:tc>
+                <a:extLst>
+                  <a:ext uri="{0D108BD9-81ED-4DB2-BD59-A6C34878D82A}">
+                    <a16:rowId xmlns:a16="http://schemas.microsoft.com/office/drawing/2014/main" val="2768934117"/>
+                  </a:ext>
+                </a:extLst>
+              </a:tr>
+              <a:tr h="563943">
+                <a:tc>
+                  <a:txBody>
+                    <a:bodyPr/>
+                    <a:lstStyle/>
+                    <a:p>
+                      <a:r>
+                        <a:rPr lang="es-ES" dirty="0"/>
+                        <a:t>Estímulos</a:t>
+                      </a:r>
+                      <a:endParaRPr lang="es-BO" dirty="0"/>
+                    </a:p>
+                  </a:txBody>
+                  <a:tcPr/>
+                </a:tc>
+                <a:tc>
+                  <a:txBody>
+                    <a:bodyPr/>
+                    <a:lstStyle/>
+                    <a:p>
+                      <a:r>
+                        <a:rPr lang="es-ES" dirty="0"/>
+                        <a:t>Ataques programados de terceros</a:t>
+                      </a:r>
+                      <a:endParaRPr lang="es-BO" dirty="0"/>
+                    </a:p>
+                  </a:txBody>
+                  <a:tcPr/>
+                </a:tc>
+                <a:extLst>
+                  <a:ext uri="{0D108BD9-81ED-4DB2-BD59-A6C34878D82A}">
+                    <a16:rowId xmlns:a16="http://schemas.microsoft.com/office/drawing/2014/main" val="240832334"/>
+                  </a:ext>
+                </a:extLst>
+              </a:tr>
+              <a:tr h="563943">
+                <a:tc>
+                  <a:txBody>
+                    <a:bodyPr/>
+                    <a:lstStyle/>
+                    <a:p>
+                      <a:r>
+                        <a:rPr lang="es-ES" dirty="0"/>
+                        <a:t>Respuesta</a:t>
+                      </a:r>
+                      <a:endParaRPr lang="es-BO" dirty="0"/>
+                    </a:p>
+                  </a:txBody>
+                  <a:tcPr/>
+                </a:tc>
+                <a:tc>
+                  <a:txBody>
+                    <a:bodyPr/>
+                    <a:lstStyle/>
+                    <a:p>
+                      <a:r>
+                        <a:rPr lang="es-ES" dirty="0"/>
+                        <a:t>Las interacciones con los sistemas deben seguir un estricto protocolo de seguridad con conexiones HTTPS, a nivel de ataques, es necesario que estos sean detenidos tan pronto como sean detectados </a:t>
+                      </a:r>
+                      <a:endParaRPr lang="es-BO" dirty="0"/>
+                    </a:p>
+                  </a:txBody>
+                  <a:tcPr/>
+                </a:tc>
+                <a:extLst>
+                  <a:ext uri="{0D108BD9-81ED-4DB2-BD59-A6C34878D82A}">
+                    <a16:rowId xmlns:a16="http://schemas.microsoft.com/office/drawing/2014/main" val="882346981"/>
+                  </a:ext>
+                </a:extLst>
+              </a:tr>
+              <a:tr h="563943">
+                <a:tc>
+                  <a:txBody>
+                    <a:bodyPr/>
+                    <a:lstStyle/>
+                    <a:p>
+                      <a:r>
+                        <a:rPr lang="es-ES" dirty="0"/>
+                        <a:t>Decisiones de Arquitectura</a:t>
+                      </a:r>
+                      <a:endParaRPr lang="es-BO" dirty="0"/>
+                    </a:p>
+                  </a:txBody>
+                  <a:tcPr/>
+                </a:tc>
+                <a:tc>
+                  <a:txBody>
+                    <a:bodyPr/>
+                    <a:lstStyle/>
+                    <a:p>
+                      <a:r>
+                        <a:rPr lang="es-ES" dirty="0"/>
+                        <a:t>Utilizar un patrón tipo Api Gateway y adecuación a los riesgos  mencionados por OWASP</a:t>
+                      </a:r>
+                      <a:endParaRPr lang="es-BO" dirty="0"/>
+                    </a:p>
+                  </a:txBody>
+                  <a:tcPr/>
+                </a:tc>
+                <a:extLst>
+                  <a:ext uri="{0D108BD9-81ED-4DB2-BD59-A6C34878D82A}">
+                    <a16:rowId xmlns:a16="http://schemas.microsoft.com/office/drawing/2014/main" val="3192745830"/>
+                  </a:ext>
+                </a:extLst>
+              </a:tr>
+              <a:tr h="563943">
+                <a:tc>
+                  <a:txBody>
+                    <a:bodyPr/>
+                    <a:lstStyle/>
+                    <a:p>
+                      <a:r>
+                        <a:rPr lang="es-ES" dirty="0"/>
+                        <a:t>Medición</a:t>
+                      </a:r>
+                      <a:endParaRPr lang="es-BO" dirty="0"/>
+                    </a:p>
+                  </a:txBody>
+                  <a:tcPr/>
+                </a:tc>
+                <a:tc>
+                  <a:txBody>
+                    <a:bodyPr/>
+                    <a:lstStyle/>
+                    <a:p>
+                      <a:r>
+                        <a:rPr lang="es-ES" dirty="0"/>
+                        <a:t>Cantidad de ataques detectados</a:t>
+                      </a:r>
+                    </a:p>
+                    <a:p>
+                      <a:r>
+                        <a:rPr lang="es-ES" dirty="0"/>
+                        <a:t>Desempeño de los servicios durante un ataque</a:t>
+                      </a:r>
+                      <a:endParaRPr lang="es-BO" dirty="0"/>
+                    </a:p>
+                  </a:txBody>
+                  <a:tcPr/>
+                </a:tc>
+                <a:extLst>
+                  <a:ext uri="{0D108BD9-81ED-4DB2-BD59-A6C34878D82A}">
+                    <a16:rowId xmlns:a16="http://schemas.microsoft.com/office/drawing/2014/main" val="2395087671"/>
+                  </a:ext>
+                </a:extLst>
+              </a:tr>
+            </a:tbl>
+          </a:graphicData>
+        </a:graphic>
+      </p:graphicFrame>
+    </p:spTree>
+    <p:extLst>
+      <p:ext uri="{BB962C8B-B14F-4D97-AF65-F5344CB8AC3E}">
+        <p14:creationId xmlns:p14="http://schemas.microsoft.com/office/powerpoint/2010/main" val="1879595918"/>
+      </p:ext>
+    </p:extLst>
+  </p:cSld>
+  <p:clrMapOvr>
+    <a:masterClrMapping/>
+  </p:clrMapOvr>
+</p:sld>
+</file>
+
+<file path=ppt/slides/slide9.xml><?xml version="1.0" encoding="utf-8"?>
+<p:sld xmlns:a="http://schemas.openxmlformats.org/drawingml/2006/main" xmlns:r="http://schemas.openxmlformats.org/officeDocument/2006/relationships" xmlns:p="http://schemas.openxmlformats.org/presentationml/2006/main">
+  <p:cSld>
+    <p:spTree>
+      <p:nvGrpSpPr>
+        <p:cNvPr id="1" name=""/>
+        <p:cNvGrpSpPr/>
+        <p:nvPr/>
+      </p:nvGrpSpPr>
+      <p:grpSpPr>
+        <a:xfrm>
+          <a:off x="0" y="0"/>
+          <a:ext cx="0" cy="0"/>
+          <a:chOff x="0" y="0"/>
+          <a:chExt cx="0" cy="0"/>
+        </a:xfrm>
+      </p:grpSpPr>
+      <p:sp>
+        <p:nvSpPr>
+          <p:cNvPr id="2" name="Título 1">
+            <a:extLst>
+              <a:ext uri="{FF2B5EF4-FFF2-40B4-BE49-F238E27FC236}">
+                <a16:creationId xmlns:a16="http://schemas.microsoft.com/office/drawing/2014/main" id="{9E32F659-B156-20E5-8770-3DFA1E4FE2D7}"/>
+              </a:ext>
+            </a:extLst>
+          </p:cNvPr>
+          <p:cNvSpPr>
+            <a:spLocks noGrp="1"/>
+          </p:cNvSpPr>
+          <p:nvPr>
+            <p:ph type="title"/>
+          </p:nvPr>
+        </p:nvSpPr>
+        <p:spPr>
+          <a:xfrm>
+            <a:off x="677690" y="79248"/>
+            <a:ext cx="8596668" cy="624840"/>
+          </a:xfrm>
+        </p:spPr>
+        <p:txBody>
+          <a:bodyPr>
+            <a:normAutofit fontScale="90000"/>
+          </a:bodyPr>
+          <a:lstStyle/>
+          <a:p>
+            <a:r>
+              <a:rPr lang="es-ES" dirty="0"/>
+              <a:t>Patrones </a:t>
+            </a:r>
+            <a:endParaRPr lang="es-BO" dirty="0"/>
+          </a:p>
+        </p:txBody>
+      </p:sp>
+      <p:graphicFrame>
+        <p:nvGraphicFramePr>
+          <p:cNvPr id="4" name="Marcador de contenido 3">
+            <a:extLst>
+              <a:ext uri="{FF2B5EF4-FFF2-40B4-BE49-F238E27FC236}">
+                <a16:creationId xmlns:a16="http://schemas.microsoft.com/office/drawing/2014/main" id="{4CA628CA-E52B-A9B2-8E2E-59BC677A9A6B}"/>
+              </a:ext>
+            </a:extLst>
+          </p:cNvPr>
+          <p:cNvGraphicFramePr>
+            <a:graphicFrameLocks noGrp="1"/>
+          </p:cNvGraphicFramePr>
+          <p:nvPr>
+            <p:ph idx="1"/>
+            <p:extLst>
+              <p:ext uri="{D42A27DB-BD31-4B8C-83A1-F6EECF244321}">
+                <p14:modId xmlns:p14="http://schemas.microsoft.com/office/powerpoint/2010/main" val="2172043696"/>
+              </p:ext>
+            </p:extLst>
+          </p:nvPr>
+        </p:nvGraphicFramePr>
+        <p:xfrm>
+          <a:off x="484632" y="603504"/>
+          <a:ext cx="9738360" cy="6049964"/>
+        </p:xfrm>
+        <a:graphic>
+          <a:graphicData uri="http://schemas.openxmlformats.org/drawingml/2006/table">
+            <a:tbl>
+              <a:tblPr firstRow="1" bandRow="1">
+                <a:tableStyleId>{5C22544A-7EE6-4342-B048-85BDC9FD1C3A}</a:tableStyleId>
+              </a:tblPr>
+              <a:tblGrid>
+                <a:gridCol w="3328190">
+                  <a:extLst>
+                    <a:ext uri="{9D8B030D-6E8A-4147-A177-3AD203B41FA5}">
+                      <a16:colId xmlns:a16="http://schemas.microsoft.com/office/drawing/2014/main" val="2375645145"/>
+                    </a:ext>
+                  </a:extLst>
+                </a:gridCol>
+                <a:gridCol w="6410170">
+                  <a:extLst>
+                    <a:ext uri="{9D8B030D-6E8A-4147-A177-3AD203B41FA5}">
+                      <a16:colId xmlns:a16="http://schemas.microsoft.com/office/drawing/2014/main" val="1118495026"/>
+                    </a:ext>
+                  </a:extLst>
+                </a:gridCol>
+              </a:tblGrid>
+              <a:tr h="662332">
+                <a:tc>
+                  <a:txBody>
+                    <a:bodyPr/>
+                    <a:lstStyle/>
+                    <a:p>
+                      <a:r>
+                        <a:rPr lang="es-ES" dirty="0"/>
+                        <a:t>Patrón</a:t>
+                      </a:r>
+                      <a:endParaRPr lang="es-BO" dirty="0"/>
+                    </a:p>
+                  </a:txBody>
+                  <a:tcPr/>
+                </a:tc>
+                <a:tc>
+                  <a:txBody>
+                    <a:bodyPr/>
+                    <a:lstStyle/>
+                    <a:p>
+                      <a:r>
+                        <a:rPr lang="es-ES" dirty="0"/>
+                        <a:t>Funcionalidad</a:t>
+                      </a:r>
+                      <a:endParaRPr lang="es-BO" dirty="0"/>
+                    </a:p>
+                  </a:txBody>
+                  <a:tcPr/>
+                </a:tc>
+                <a:extLst>
+                  <a:ext uri="{0D108BD9-81ED-4DB2-BD59-A6C34878D82A}">
+                    <a16:rowId xmlns:a16="http://schemas.microsoft.com/office/drawing/2014/main" val="924715585"/>
+                  </a:ext>
+                </a:extLst>
+              </a:tr>
+              <a:tr h="1073932">
+                <a:tc>
+                  <a:txBody>
+                    <a:bodyPr/>
+                    <a:lstStyle/>
+                    <a:p>
+                      <a:r>
+                        <a:rPr lang="es-ES" b="1" dirty="0" err="1"/>
+                        <a:t>Microservice</a:t>
+                      </a:r>
+                      <a:r>
+                        <a:rPr lang="es-ES" b="1" dirty="0"/>
+                        <a:t> </a:t>
+                      </a:r>
+                      <a:r>
+                        <a:rPr lang="es-ES" b="1" dirty="0" err="1"/>
+                        <a:t>Architecture</a:t>
+                      </a:r>
+                      <a:endParaRPr lang="es-BO" b="1" dirty="0"/>
+                    </a:p>
+                  </a:txBody>
+                  <a:tcPr/>
+                </a:tc>
+                <a:tc>
+                  <a:txBody>
+                    <a:bodyPr/>
+                    <a:lstStyle/>
+                    <a:p>
+                      <a:r>
+                        <a:rPr lang="es-ES" dirty="0"/>
+                        <a:t>Se utiliza una arquitectura de microservicios, permitiendo su implementación de forma independiente y con bajo acoplamiento</a:t>
+                      </a:r>
+                      <a:endParaRPr lang="es-BO" dirty="0"/>
+                    </a:p>
+                  </a:txBody>
+                  <a:tcPr/>
+                </a:tc>
+                <a:extLst>
+                  <a:ext uri="{0D108BD9-81ED-4DB2-BD59-A6C34878D82A}">
+                    <a16:rowId xmlns:a16="http://schemas.microsoft.com/office/drawing/2014/main" val="2429855617"/>
+                  </a:ext>
+                </a:extLst>
+              </a:tr>
+              <a:tr h="1073932">
+                <a:tc>
+                  <a:txBody>
+                    <a:bodyPr/>
+                    <a:lstStyle/>
+                    <a:p>
+                      <a:r>
+                        <a:rPr lang="es-ES" b="1" dirty="0" err="1"/>
+                        <a:t>Decomposition</a:t>
+                      </a:r>
+                      <a:r>
+                        <a:rPr lang="es-ES" b="1" dirty="0"/>
+                        <a:t> </a:t>
+                      </a:r>
+                      <a:r>
+                        <a:rPr lang="es-ES" b="1" dirty="0" err="1"/>
+                        <a:t>Patterns</a:t>
+                      </a:r>
+                      <a:endParaRPr lang="es-ES" b="1" dirty="0"/>
+                    </a:p>
+                  </a:txBody>
+                  <a:tcPr/>
+                </a:tc>
+                <a:tc>
+                  <a:txBody>
+                    <a:bodyPr/>
+                    <a:lstStyle/>
+                    <a:p>
+                      <a:r>
+                        <a:rPr lang="es-ES" dirty="0"/>
+                        <a:t>Los servicios se encuentran ligeramente acoplados, los servicios implementan funciones fuertemente relacionadas</a:t>
+                      </a:r>
+                      <a:endParaRPr lang="es-BO" dirty="0"/>
+                    </a:p>
+                  </a:txBody>
+                  <a:tcPr/>
+                </a:tc>
+                <a:extLst>
+                  <a:ext uri="{0D108BD9-81ED-4DB2-BD59-A6C34878D82A}">
+                    <a16:rowId xmlns:a16="http://schemas.microsoft.com/office/drawing/2014/main" val="2768934117"/>
+                  </a:ext>
+                </a:extLst>
+              </a:tr>
+              <a:tr h="751752">
+                <a:tc>
+                  <a:txBody>
+                    <a:bodyPr/>
+                    <a:lstStyle/>
+                    <a:p>
+                      <a:r>
+                        <a:rPr lang="es-ES" b="1" dirty="0" err="1"/>
+                        <a:t>Shared</a:t>
+                      </a:r>
+                      <a:r>
+                        <a:rPr lang="es-ES" b="1" dirty="0"/>
+                        <a:t> </a:t>
+                      </a:r>
+                      <a:r>
+                        <a:rPr lang="es-ES" b="1" dirty="0" err="1"/>
+                        <a:t>Database</a:t>
+                      </a:r>
+                      <a:endParaRPr lang="es-BO" b="1" dirty="0"/>
+                    </a:p>
+                  </a:txBody>
+                  <a:tcPr/>
+                </a:tc>
+                <a:tc>
+                  <a:txBody>
+                    <a:bodyPr/>
+                    <a:lstStyle/>
+                    <a:p>
+                      <a:r>
+                        <a:rPr lang="es-ES" dirty="0"/>
+                        <a:t>Se utiliza una base de datos única compartida por varios servicios</a:t>
+                      </a:r>
+                      <a:endParaRPr lang="es-BO" dirty="0"/>
+                    </a:p>
+                  </a:txBody>
+                  <a:tcPr/>
+                </a:tc>
+                <a:extLst>
+                  <a:ext uri="{0D108BD9-81ED-4DB2-BD59-A6C34878D82A}">
+                    <a16:rowId xmlns:a16="http://schemas.microsoft.com/office/drawing/2014/main" val="240832334"/>
+                  </a:ext>
+                </a:extLst>
+              </a:tr>
+              <a:tr h="662332">
+                <a:tc>
+                  <a:txBody>
+                    <a:bodyPr/>
+                    <a:lstStyle/>
+                    <a:p>
+                      <a:r>
+                        <a:rPr lang="es-ES" b="1" dirty="0" err="1"/>
+                        <a:t>Externalized</a:t>
+                      </a:r>
+                      <a:r>
+                        <a:rPr lang="es-ES" b="1" dirty="0"/>
+                        <a:t> </a:t>
+                      </a:r>
+                      <a:r>
+                        <a:rPr lang="es-ES" b="1" dirty="0" err="1"/>
+                        <a:t>Configuration</a:t>
+                      </a:r>
+                      <a:endParaRPr lang="es-BO" b="1" dirty="0"/>
+                    </a:p>
+                  </a:txBody>
+                  <a:tcPr/>
+                </a:tc>
+                <a:tc>
+                  <a:txBody>
+                    <a:bodyPr/>
+                    <a:lstStyle/>
+                    <a:p>
+                      <a:r>
+                        <a:rPr lang="es-ES" dirty="0"/>
+                        <a:t>Se implementa la configuración externa de los servicios</a:t>
+                      </a:r>
+                      <a:endParaRPr lang="es-BO" dirty="0"/>
+                    </a:p>
+                  </a:txBody>
+                  <a:tcPr/>
+                </a:tc>
+                <a:extLst>
+                  <a:ext uri="{0D108BD9-81ED-4DB2-BD59-A6C34878D82A}">
+                    <a16:rowId xmlns:a16="http://schemas.microsoft.com/office/drawing/2014/main" val="882346981"/>
+                  </a:ext>
+                </a:extLst>
+              </a:tr>
+              <a:tr h="1073932">
+                <a:tc>
+                  <a:txBody>
+                    <a:bodyPr/>
+                    <a:lstStyle/>
+                    <a:p>
+                      <a:r>
+                        <a:rPr lang="es-ES" b="1" dirty="0"/>
+                        <a:t>Service </a:t>
+                      </a:r>
+                      <a:r>
+                        <a:rPr lang="es-ES" b="1" dirty="0" err="1"/>
+                        <a:t>Instance</a:t>
+                      </a:r>
+                      <a:r>
+                        <a:rPr lang="es-ES" b="1" dirty="0"/>
+                        <a:t> per Container</a:t>
+                      </a:r>
+                      <a:endParaRPr lang="es-BO" b="1" dirty="0"/>
+                    </a:p>
+                  </a:txBody>
+                  <a:tcPr/>
+                </a:tc>
+                <a:tc>
+                  <a:txBody>
+                    <a:bodyPr/>
+                    <a:lstStyle/>
+                    <a:p>
+                      <a:r>
+                        <a:rPr lang="es-ES" dirty="0"/>
+                        <a:t>Se empaquetan los servicios como una imagen de contenedor Docker y se implementa cada una en un </a:t>
+                      </a:r>
+                      <a:r>
+                        <a:rPr lang="es-ES" dirty="0" err="1"/>
+                        <a:t>conenedor</a:t>
+                      </a:r>
+                      <a:endParaRPr lang="es-BO" dirty="0"/>
+                    </a:p>
+                  </a:txBody>
+                  <a:tcPr/>
+                </a:tc>
+                <a:extLst>
+                  <a:ext uri="{0D108BD9-81ED-4DB2-BD59-A6C34878D82A}">
+                    <a16:rowId xmlns:a16="http://schemas.microsoft.com/office/drawing/2014/main" val="3192745830"/>
+                  </a:ext>
+                </a:extLst>
+              </a:tr>
+              <a:tr h="751752">
+                <a:tc>
+                  <a:txBody>
+                    <a:bodyPr/>
+                    <a:lstStyle/>
+                    <a:p>
+                      <a:r>
+                        <a:rPr lang="es-ES" b="1" dirty="0"/>
+                        <a:t>Api Gateway</a:t>
+                      </a:r>
+                      <a:endParaRPr lang="es-BO" b="1" dirty="0"/>
+                    </a:p>
+                  </a:txBody>
+                  <a:tcPr/>
+                </a:tc>
+                <a:tc>
+                  <a:txBody>
+                    <a:bodyPr/>
+                    <a:lstStyle/>
+                    <a:p>
+                      <a:r>
+                        <a:rPr lang="es-ES" dirty="0"/>
+                        <a:t>Se implemento un AI Gateway como único punto de entrada para todos los clientes</a:t>
+                      </a:r>
+                      <a:endParaRPr lang="es-BO" dirty="0"/>
+                    </a:p>
+                  </a:txBody>
+                  <a:tcPr/>
+                </a:tc>
+                <a:extLst>
+                  <a:ext uri="{0D108BD9-81ED-4DB2-BD59-A6C34878D82A}">
+                    <a16:rowId xmlns:a16="http://schemas.microsoft.com/office/drawing/2014/main" val="2395087671"/>
+                  </a:ext>
+                </a:extLst>
+              </a:tr>
+            </a:tbl>
+          </a:graphicData>
+        </a:graphic>
+      </p:graphicFrame>
+    </p:spTree>
+    <p:extLst>
+      <p:ext uri="{BB962C8B-B14F-4D97-AF65-F5344CB8AC3E}">
+        <p14:creationId xmlns:p14="http://schemas.microsoft.com/office/powerpoint/2010/main" val="882061437"/>
       </p:ext>
     </p:extLst>
   </p:cSld>
